--- a/DSO545-FinalProject-Group10-Presentation.pptx
+++ b/DSO545-FinalProject-Group10-Presentation.pptx
@@ -5,10 +5,10 @@
     <p:sldMasterId id="2147483648" r:id="rId1"/>
   </p:sldMasterIdLst>
   <p:notesMasterIdLst>
-    <p:notesMasterId r:id="rId21"/>
+    <p:notesMasterId r:id="rId22"/>
   </p:notesMasterIdLst>
   <p:handoutMasterIdLst>
-    <p:handoutMasterId r:id="rId22"/>
+    <p:handoutMasterId r:id="rId23"/>
   </p:handoutMasterIdLst>
   <p:sldIdLst>
     <p:sldId id="260" r:id="rId2"/>
@@ -16,20 +16,21 @@
     <p:sldId id="261" r:id="rId4"/>
     <p:sldId id="264" r:id="rId5"/>
     <p:sldId id="274" r:id="rId6"/>
-    <p:sldId id="276" r:id="rId7"/>
-    <p:sldId id="265" r:id="rId8"/>
-    <p:sldId id="280" r:id="rId9"/>
-    <p:sldId id="281" r:id="rId10"/>
-    <p:sldId id="282" r:id="rId11"/>
-    <p:sldId id="283" r:id="rId12"/>
-    <p:sldId id="284" r:id="rId13"/>
-    <p:sldId id="285" r:id="rId14"/>
-    <p:sldId id="286" r:id="rId15"/>
-    <p:sldId id="279" r:id="rId16"/>
-    <p:sldId id="278" r:id="rId17"/>
-    <p:sldId id="266" r:id="rId18"/>
-    <p:sldId id="272" r:id="rId19"/>
-    <p:sldId id="268" r:id="rId20"/>
+    <p:sldId id="275" r:id="rId7"/>
+    <p:sldId id="276" r:id="rId8"/>
+    <p:sldId id="265" r:id="rId9"/>
+    <p:sldId id="280" r:id="rId10"/>
+    <p:sldId id="281" r:id="rId11"/>
+    <p:sldId id="282" r:id="rId12"/>
+    <p:sldId id="283" r:id="rId13"/>
+    <p:sldId id="284" r:id="rId14"/>
+    <p:sldId id="285" r:id="rId15"/>
+    <p:sldId id="286" r:id="rId16"/>
+    <p:sldId id="279" r:id="rId17"/>
+    <p:sldId id="278" r:id="rId18"/>
+    <p:sldId id="266" r:id="rId19"/>
+    <p:sldId id="272" r:id="rId20"/>
+    <p:sldId id="268" r:id="rId21"/>
   </p:sldIdLst>
   <p:sldSz cx="12192000" cy="6858000"/>
   <p:notesSz cx="6858000" cy="9144000"/>
@@ -222,7 +223,7 @@
           <a:p>
             <a:fld id="{2B579A58-357C-8A42-9167-5E6EF15C21B3}" type="datetime1">
               <a:rPr lang="en-US" smtClean="0"/>
-              <a:t>12/8/16</a:t>
+              <a:t>12/7/16</a:t>
             </a:fld>
             <a:endParaRPr lang="en-US"/>
           </a:p>
@@ -392,7 +393,7 @@
           <a:p>
             <a:fld id="{CD874382-A4AE-BE43-B123-9BFA5376A761}" type="datetime1">
               <a:rPr lang="en-US" smtClean="0"/>
-              <a:t>12/8/16</a:t>
+              <a:t>12/7/16</a:t>
             </a:fld>
             <a:endParaRPr lang="en-US"/>
           </a:p>
@@ -749,7 +750,7 @@
           <a:p>
             <a:fld id="{CD874382-A4AE-BE43-B123-9BFA5376A761}" type="datetime1">
               <a:rPr lang="en-US" smtClean="0"/>
-              <a:t>12/8/16</a:t>
+              <a:t>12/7/16</a:t>
             </a:fld>
             <a:endParaRPr lang="en-US"/>
           </a:p>
@@ -913,7 +914,7 @@
           <a:p>
             <a:fld id="{C5B48733-5503-5749-AFB5-EC3F143E1E4F}" type="datetime1">
               <a:rPr lang="en-US" smtClean="0"/>
-              <a:t>12/8/16</a:t>
+              <a:t>12/7/16</a:t>
             </a:fld>
             <a:endParaRPr lang="en-US"/>
           </a:p>
@@ -1122,7 +1123,7 @@
           <a:p>
             <a:fld id="{C4E0FE54-C8BC-8B43-9B66-17C6E0FBF6C8}" type="datetime1">
               <a:rPr lang="en-US" smtClean="0"/>
-              <a:t>12/8/16</a:t>
+              <a:t>12/7/16</a:t>
             </a:fld>
             <a:endParaRPr lang="en-US"/>
           </a:p>
@@ -1324,7 +1325,7 @@
           <a:p>
             <a:fld id="{425EA085-F2E7-F84F-B3CE-CB7346E8451B}" type="datetime1">
               <a:rPr lang="en-US" smtClean="0"/>
-              <a:t>12/8/16</a:t>
+              <a:t>12/7/16</a:t>
             </a:fld>
             <a:endParaRPr lang="en-US"/>
           </a:p>
@@ -1495,7 +1496,7 @@
           <a:p>
             <a:fld id="{FCE0611B-6B3C-2F49-BD6B-DFFC688B4870}" type="datetime1">
               <a:rPr lang="en-US" smtClean="0"/>
-              <a:t>12/8/16</a:t>
+              <a:t>12/7/16</a:t>
             </a:fld>
             <a:endParaRPr lang="en-US"/>
           </a:p>
@@ -1770,7 +1771,7 @@
           <a:p>
             <a:fld id="{7A6E40FC-D8B0-CB49-A20B-D0ED290717F3}" type="datetime1">
               <a:rPr lang="en-US" smtClean="0"/>
-              <a:t>12/8/16</a:t>
+              <a:t>12/7/16</a:t>
             </a:fld>
             <a:endParaRPr lang="en-US"/>
           </a:p>
@@ -2039,7 +2040,7 @@
           <a:p>
             <a:fld id="{BFE9E0FB-C0BD-CC43-8B12-279BACAECFEF}" type="datetime1">
               <a:rPr lang="en-US" smtClean="0"/>
-              <a:t>12/8/16</a:t>
+              <a:t>12/7/16</a:t>
             </a:fld>
             <a:endParaRPr lang="en-US"/>
           </a:p>
@@ -2444,7 +2445,7 @@
           <a:p>
             <a:fld id="{E0B149E9-1EF6-BD42-9F31-A8725413EB40}" type="datetime1">
               <a:rPr lang="en-US" smtClean="0"/>
-              <a:t>12/8/16</a:t>
+              <a:t>12/7/16</a:t>
             </a:fld>
             <a:endParaRPr lang="en-US"/>
           </a:p>
@@ -2593,7 +2594,7 @@
           <a:p>
             <a:fld id="{6DB3B28A-3132-7C4F-8460-F7D7017ECE50}" type="datetime1">
               <a:rPr lang="en-US" smtClean="0"/>
-              <a:t>12/8/16</a:t>
+              <a:t>12/7/16</a:t>
             </a:fld>
             <a:endParaRPr lang="en-US"/>
           </a:p>
@@ -2704,7 +2705,7 @@
           <a:p>
             <a:fld id="{69030FBA-2737-074F-B56F-423D0E085D0C}" type="datetime1">
               <a:rPr lang="en-US" smtClean="0"/>
-              <a:t>12/8/16</a:t>
+              <a:t>12/7/16</a:t>
             </a:fld>
             <a:endParaRPr lang="en-US"/>
           </a:p>
@@ -3006,7 +3007,7 @@
           <a:p>
             <a:fld id="{35137D01-1FAD-ED44-94A9-C683B90DCD9E}" type="datetime1">
               <a:rPr lang="en-US" smtClean="0"/>
-              <a:t>12/8/16</a:t>
+              <a:t>12/7/16</a:t>
             </a:fld>
             <a:endParaRPr lang="en-US"/>
           </a:p>
@@ -3284,7 +3285,7 @@
           <a:p>
             <a:fld id="{ED01F8F1-6F14-BE47-AB99-EBA047A5E4B3}" type="datetime1">
               <a:rPr lang="en-US" smtClean="0"/>
-              <a:t>12/8/16</a:t>
+              <a:t>12/7/16</a:t>
             </a:fld>
             <a:endParaRPr lang="en-US"/>
           </a:p>
@@ -5128,6 +5129,1121 @@
         <p:spPr>
           <a:xfrm>
             <a:off x="474154" y="947163"/>
+            <a:ext cx="8542846" cy="584775"/>
+          </a:xfrm>
+          <a:prstGeom prst="rect">
+            <a:avLst/>
+          </a:prstGeom>
+        </p:spPr>
+        <p:txBody>
+          <a:bodyPr wrap="square">
+            <a:spAutoFit/>
+          </a:bodyPr>
+          <a:lstStyle/>
+          <a:p>
+            <a:r>
+              <a:rPr lang="en" sz="3200" dirty="0" smtClean="0"/>
+              <a:t>311 </a:t>
+            </a:r>
+            <a:r>
+              <a:rPr lang="en" sz="3200" dirty="0"/>
+              <a:t>Request </a:t>
+            </a:r>
+            <a:r>
+              <a:rPr lang="en" sz="3200" dirty="0" smtClean="0"/>
+              <a:t>Type</a:t>
+            </a:r>
+            <a:r>
+              <a:rPr lang="en-US" sz="3200" dirty="0" smtClean="0"/>
+              <a:t> CHC vs. LA</a:t>
+            </a:r>
+            <a:endParaRPr lang="en-US" sz="3200" dirty="0"/>
+          </a:p>
+        </p:txBody>
+      </p:sp>
+      <p:sp>
+        <p:nvSpPr>
+          <p:cNvPr id="20" name="Rectangle 19"/>
+          <p:cNvSpPr/>
+          <p:nvPr/>
+        </p:nvSpPr>
+        <p:spPr>
+          <a:xfrm>
+            <a:off x="474154" y="1531938"/>
+            <a:ext cx="7790666" cy="584775"/>
+          </a:xfrm>
+          <a:prstGeom prst="rect">
+            <a:avLst/>
+          </a:prstGeom>
+        </p:spPr>
+        <p:txBody>
+          <a:bodyPr wrap="square">
+            <a:spAutoFit/>
+          </a:bodyPr>
+          <a:lstStyle/>
+          <a:p>
+            <a:r>
+              <a:rPr lang="en-US" sz="3200" dirty="0" smtClean="0">
+                <a:solidFill>
+                  <a:srgbClr val="0070C0"/>
+                </a:solidFill>
+              </a:rPr>
+              <a:t>Top 3 request types in Chicago </a:t>
+            </a:r>
+            <a:endParaRPr lang="en-US" sz="3200" dirty="0">
+              <a:solidFill>
+                <a:srgbClr val="0070C0"/>
+              </a:solidFill>
+            </a:endParaRPr>
+          </a:p>
+        </p:txBody>
+      </p:sp>
+      <p:sp>
+        <p:nvSpPr>
+          <p:cNvPr id="21" name="TextBox 20"/>
+          <p:cNvSpPr txBox="1"/>
+          <p:nvPr/>
+        </p:nvSpPr>
+        <p:spPr>
+          <a:xfrm>
+            <a:off x="517018" y="2216168"/>
+            <a:ext cx="4489892" cy="1200329"/>
+          </a:xfrm>
+          <a:prstGeom prst="rect">
+            <a:avLst/>
+          </a:prstGeom>
+          <a:noFill/>
+        </p:spPr>
+        <p:txBody>
+          <a:bodyPr wrap="square" rtlCol="0">
+            <a:spAutoFit/>
+          </a:bodyPr>
+          <a:lstStyle/>
+          <a:p>
+            <a:pPr marL="285750" indent="-285750">
+              <a:buFont typeface="Wingdings" charset="2"/>
+              <a:buChar char="ü"/>
+            </a:pPr>
+            <a:r>
+              <a:rPr lang="en-US" sz="2400" b="1" i="1" dirty="0" smtClean="0">
+                <a:solidFill>
+                  <a:srgbClr val="002776"/>
+                </a:solidFill>
+                <a:ea typeface="Arial" charset="0"/>
+                <a:cs typeface="Arial" charset="0"/>
+              </a:rPr>
+              <a:t>Graffiti-removal</a:t>
+            </a:r>
+          </a:p>
+          <a:p>
+            <a:pPr marL="285750" indent="-285750">
+              <a:buFont typeface="Wingdings" charset="2"/>
+              <a:buChar char="ü"/>
+            </a:pPr>
+            <a:r>
+              <a:rPr lang="en-US" sz="2400" b="1" i="1" dirty="0" smtClean="0">
+                <a:solidFill>
+                  <a:srgbClr val="002776"/>
+                </a:solidFill>
+                <a:ea typeface="Arial" charset="0"/>
+                <a:cs typeface="Arial" charset="0"/>
+              </a:rPr>
+              <a:t>Street-lights-all-out</a:t>
+            </a:r>
+          </a:p>
+          <a:p>
+            <a:pPr marL="285750" indent="-285750">
+              <a:buFont typeface="Wingdings" charset="2"/>
+              <a:buChar char="ü"/>
+            </a:pPr>
+            <a:r>
+              <a:rPr lang="en-US" sz="2400" b="1" i="1" dirty="0" smtClean="0">
+                <a:solidFill>
+                  <a:srgbClr val="002776"/>
+                </a:solidFill>
+                <a:ea typeface="Arial" charset="0"/>
+                <a:cs typeface="Arial" charset="0"/>
+              </a:rPr>
+              <a:t>Potholes</a:t>
+            </a:r>
+          </a:p>
+        </p:txBody>
+      </p:sp>
+      <p:sp>
+        <p:nvSpPr>
+          <p:cNvPr id="22" name="Content Placeholder 1"/>
+          <p:cNvSpPr>
+            <a:spLocks noGrp="1"/>
+          </p:cNvSpPr>
+          <p:nvPr>
+            <p:ph idx="1"/>
+          </p:nvPr>
+        </p:nvSpPr>
+        <p:spPr>
+          <a:xfrm>
+            <a:off x="474154" y="6100426"/>
+            <a:ext cx="6439307" cy="400957"/>
+          </a:xfrm>
+        </p:spPr>
+        <p:txBody>
+          <a:bodyPr/>
+          <a:lstStyle/>
+          <a:p>
+            <a:pPr marL="0" indent="0">
+              <a:buNone/>
+            </a:pPr>
+            <a:r>
+              <a:rPr lang="en-US" sz="1200" dirty="0" smtClean="0">
+                <a:solidFill>
+                  <a:srgbClr val="000000"/>
+                </a:solidFill>
+                <a:ea typeface="Calibri"/>
+                <a:cs typeface="Calibri"/>
+                <a:sym typeface="Calibri"/>
+              </a:rPr>
+              <a:t>Data resource:</a:t>
+            </a:r>
+            <a:r>
+              <a:rPr lang="en-US" sz="1200" dirty="0"/>
+              <a:t> </a:t>
+            </a:r>
+            <a:r>
+              <a:rPr lang="en-US" sz="1200" dirty="0">
+                <a:hlinkClick r:id="rId3"/>
+              </a:rPr>
+              <a:t>https://</a:t>
+            </a:r>
+            <a:r>
+              <a:rPr lang="en-US" sz="1200" dirty="0" err="1">
+                <a:hlinkClick r:id="rId3"/>
+              </a:rPr>
+              <a:t>github.com</a:t>
+            </a:r>
+            <a:r>
+              <a:rPr lang="en-US" sz="1200" dirty="0">
+                <a:hlinkClick r:id="rId3"/>
+              </a:rPr>
+              <a:t>/</a:t>
+            </a:r>
+            <a:r>
+              <a:rPr lang="en-US" sz="1200" dirty="0" err="1">
+                <a:hlinkClick r:id="rId3"/>
+              </a:rPr>
+              <a:t>dssg</a:t>
+            </a:r>
+            <a:r>
+              <a:rPr lang="en-US" sz="1200" dirty="0">
+                <a:hlinkClick r:id="rId3"/>
+              </a:rPr>
+              <a:t>/411-­‐‑on-­‐‑311 </a:t>
+            </a:r>
+            <a:endParaRPr lang="en-US" sz="1200" dirty="0"/>
+          </a:p>
+        </p:txBody>
+      </p:sp>
+      <p:pic>
+        <p:nvPicPr>
+          <p:cNvPr id="5" name="Picture 4"/>
+          <p:cNvPicPr>
+            <a:picLocks noChangeAspect="1"/>
+          </p:cNvPicPr>
+          <p:nvPr/>
+        </p:nvPicPr>
+        <p:blipFill>
+          <a:blip r:embed="rId4">
+            <a:extLst>
+              <a:ext uri="{28A0092B-C50C-407E-A947-70E740481C1C}">
+                <a14:useLocalDpi xmlns:a14="http://schemas.microsoft.com/office/drawing/2010/main" val="0"/>
+              </a:ext>
+            </a:extLst>
+          </a:blip>
+          <a:stretch>
+            <a:fillRect/>
+          </a:stretch>
+        </p:blipFill>
+        <p:spPr>
+          <a:xfrm>
+            <a:off x="5629271" y="1274761"/>
+            <a:ext cx="6448979" cy="4644513"/>
+          </a:xfrm>
+          <a:prstGeom prst="rect">
+            <a:avLst/>
+          </a:prstGeom>
+        </p:spPr>
+      </p:pic>
+      <p:sp>
+        <p:nvSpPr>
+          <p:cNvPr id="40" name="Rectangle 39"/>
+          <p:cNvSpPr/>
+          <p:nvPr/>
+        </p:nvSpPr>
+        <p:spPr>
+          <a:xfrm>
+            <a:off x="517018" y="2216165"/>
+            <a:ext cx="3275646" cy="433382"/>
+          </a:xfrm>
+          <a:prstGeom prst="rect">
+            <a:avLst/>
+          </a:prstGeom>
+          <a:noFill/>
+          <a:ln w="38100" cmpd="thickThin">
+            <a:solidFill>
+              <a:schemeClr val="accent6"/>
+            </a:solidFill>
+          </a:ln>
+        </p:spPr>
+        <p:style>
+          <a:lnRef idx="2">
+            <a:schemeClr val="accent1">
+              <a:shade val="50000"/>
+            </a:schemeClr>
+          </a:lnRef>
+          <a:fillRef idx="1">
+            <a:schemeClr val="accent1"/>
+          </a:fillRef>
+          <a:effectRef idx="0">
+            <a:schemeClr val="accent1"/>
+          </a:effectRef>
+          <a:fontRef idx="minor">
+            <a:schemeClr val="lt1"/>
+          </a:fontRef>
+        </p:style>
+        <p:txBody>
+          <a:bodyPr rtlCol="0" anchor="ctr"/>
+          <a:lstStyle/>
+          <a:p>
+            <a:pPr algn="ctr"/>
+            <a:endParaRPr lang="en-US"/>
+          </a:p>
+        </p:txBody>
+      </p:sp>
+      <p:pic>
+        <p:nvPicPr>
+          <p:cNvPr id="41" name="Picture 19"/>
+          <p:cNvPicPr>
+            <a:picLocks noChangeAspect="1"/>
+          </p:cNvPicPr>
+          <p:nvPr/>
+        </p:nvPicPr>
+        <p:blipFill>
+          <a:blip r:embed="rId5">
+            <a:extLst>
+              <a:ext uri="{28A0092B-C50C-407E-A947-70E740481C1C}">
+                <a14:useLocalDpi xmlns:a14="http://schemas.microsoft.com/office/drawing/2010/main" val="0"/>
+              </a:ext>
+            </a:extLst>
+          </a:blip>
+          <a:srcRect/>
+          <a:stretch>
+            <a:fillRect/>
+          </a:stretch>
+        </p:blipFill>
+        <p:spPr bwMode="auto">
+          <a:xfrm>
+            <a:off x="68050" y="3646447"/>
+            <a:ext cx="2756974" cy="2499421"/>
+          </a:xfrm>
+          <a:prstGeom prst="rect">
+            <a:avLst/>
+          </a:prstGeom>
+          <a:noFill/>
+          <a:ln>
+            <a:noFill/>
+          </a:ln>
+          <a:extLst>
+            <a:ext uri="{909E8E84-426E-40DD-AFC4-6F175D3DCCD1}">
+              <a14:hiddenFill xmlns:a14="http://schemas.microsoft.com/office/drawing/2010/main">
+                <a:solidFill>
+                  <a:srgbClr val="FFFFFF"/>
+                </a:solidFill>
+              </a14:hiddenFill>
+            </a:ext>
+            <a:ext uri="{91240B29-F687-4F45-9708-019B960494DF}">
+              <a14:hiddenLine xmlns:a14="http://schemas.microsoft.com/office/drawing/2010/main" w="9525">
+                <a:solidFill>
+                  <a:srgbClr val="000000"/>
+                </a:solidFill>
+                <a:miter lim="800000"/>
+                <a:headEnd/>
+                <a:tailEnd/>
+              </a14:hiddenLine>
+            </a:ext>
+          </a:extLst>
+        </p:spPr>
+      </p:pic>
+      <p:pic>
+        <p:nvPicPr>
+          <p:cNvPr id="6" name="Picture 5"/>
+          <p:cNvPicPr>
+            <a:picLocks noChangeAspect="1"/>
+          </p:cNvPicPr>
+          <p:nvPr/>
+        </p:nvPicPr>
+        <p:blipFill>
+          <a:blip r:embed="rId6">
+            <a:extLst>
+              <a:ext uri="{28A0092B-C50C-407E-A947-70E740481C1C}">
+                <a14:useLocalDpi xmlns:a14="http://schemas.microsoft.com/office/drawing/2010/main" val="0"/>
+              </a:ext>
+            </a:extLst>
+          </a:blip>
+          <a:stretch>
+            <a:fillRect/>
+          </a:stretch>
+        </p:blipFill>
+        <p:spPr>
+          <a:xfrm>
+            <a:off x="2403425" y="3209277"/>
+            <a:ext cx="2580764" cy="1656850"/>
+          </a:xfrm>
+          <a:prstGeom prst="rect">
+            <a:avLst/>
+          </a:prstGeom>
+        </p:spPr>
+      </p:pic>
+    </p:spTree>
+    <p:extLst>
+      <p:ext uri="{BB962C8B-B14F-4D97-AF65-F5344CB8AC3E}">
+        <p14:creationId xmlns:p14="http://schemas.microsoft.com/office/powerpoint/2010/main" val="901483117"/>
+      </p:ext>
+    </p:extLst>
+  </p:cSld>
+  <p:clrMapOvr>
+    <a:masterClrMapping/>
+  </p:clrMapOvr>
+  <p:timing>
+    <p:tnLst>
+      <p:par>
+        <p:cTn id="1" dur="indefinite" restart="never" nodeType="tmRoot"/>
+      </p:par>
+    </p:tnLst>
+  </p:timing>
+</p:sld>
+</file>
+
+<file path=ppt/slides/slide11.xml><?xml version="1.0" encoding="utf-8"?>
+<p:sld xmlns:a="http://schemas.openxmlformats.org/drawingml/2006/main" xmlns:r="http://schemas.openxmlformats.org/officeDocument/2006/relationships" xmlns:p="http://schemas.openxmlformats.org/presentationml/2006/main">
+  <p:cSld>
+    <p:spTree>
+      <p:nvGrpSpPr>
+        <p:cNvPr id="1" name=""/>
+        <p:cNvGrpSpPr/>
+        <p:nvPr/>
+      </p:nvGrpSpPr>
+      <p:grpSpPr>
+        <a:xfrm>
+          <a:off x="0" y="0"/>
+          <a:ext cx="0" cy="0"/>
+          <a:chOff x="0" y="0"/>
+          <a:chExt cx="0" cy="0"/>
+        </a:xfrm>
+      </p:grpSpPr>
+      <p:sp>
+        <p:nvSpPr>
+          <p:cNvPr id="3" name="Slide Number Placeholder 2"/>
+          <p:cNvSpPr>
+            <a:spLocks noGrp="1"/>
+          </p:cNvSpPr>
+          <p:nvPr>
+            <p:ph type="sldNum" sz="quarter" idx="12"/>
+          </p:nvPr>
+        </p:nvSpPr>
+        <p:spPr/>
+        <p:txBody>
+          <a:bodyPr/>
+          <a:lstStyle/>
+          <a:p>
+            <a:fld id="{B690234E-7369-2A40-8D63-E8E5C07741EF}" type="slidenum">
+              <a:rPr lang="en-US" smtClean="0"/>
+              <a:t>11</a:t>
+            </a:fld>
+            <a:endParaRPr lang="en-US"/>
+          </a:p>
+        </p:txBody>
+      </p:sp>
+      <p:grpSp>
+        <p:nvGrpSpPr>
+          <p:cNvPr id="23" name="Group 22"/>
+          <p:cNvGrpSpPr/>
+          <p:nvPr/>
+        </p:nvGrpSpPr>
+        <p:grpSpPr>
+          <a:xfrm>
+            <a:off x="-1" y="6501384"/>
+            <a:ext cx="12192001" cy="365760"/>
+            <a:chOff x="-1" y="6529386"/>
+            <a:chExt cx="12192001" cy="328615"/>
+          </a:xfrm>
+        </p:grpSpPr>
+        <p:sp>
+          <p:nvSpPr>
+            <p:cNvPr id="25" name="Rectangle 24"/>
+            <p:cNvSpPr/>
+            <p:nvPr/>
+          </p:nvSpPr>
+          <p:spPr>
+            <a:xfrm>
+              <a:off x="904784" y="6529388"/>
+              <a:ext cx="1920240" cy="328613"/>
+            </a:xfrm>
+            <a:prstGeom prst="rect">
+              <a:avLst/>
+            </a:prstGeom>
+            <a:solidFill>
+              <a:schemeClr val="accent1">
+                <a:lumMod val="50000"/>
+              </a:schemeClr>
+            </a:solidFill>
+            <a:ln>
+              <a:noFill/>
+            </a:ln>
+          </p:spPr>
+          <p:style>
+            <a:lnRef idx="2">
+              <a:schemeClr val="accent1">
+                <a:shade val="50000"/>
+              </a:schemeClr>
+            </a:lnRef>
+            <a:fillRef idx="1">
+              <a:schemeClr val="accent1"/>
+            </a:fillRef>
+            <a:effectRef idx="0">
+              <a:schemeClr val="accent1"/>
+            </a:effectRef>
+            <a:fontRef idx="minor">
+              <a:schemeClr val="lt1"/>
+            </a:fontRef>
+          </p:style>
+          <p:txBody>
+            <a:bodyPr rtlCol="0" anchor="ctr"/>
+            <a:lstStyle/>
+            <a:p>
+              <a:pPr algn="ctr"/>
+              <a:r>
+                <a:rPr lang="en-US" sz="1100" dirty="0">
+                  <a:solidFill>
+                    <a:schemeClr val="bg1"/>
+                  </a:solidFill>
+                </a:rPr>
+                <a:t>Objectives</a:t>
+              </a:r>
+            </a:p>
+          </p:txBody>
+        </p:sp>
+        <p:sp>
+          <p:nvSpPr>
+            <p:cNvPr id="26" name="Rectangle 25"/>
+            <p:cNvSpPr/>
+            <p:nvPr/>
+          </p:nvSpPr>
+          <p:spPr>
+            <a:xfrm>
+              <a:off x="2809614" y="6529388"/>
+              <a:ext cx="1920240" cy="328613"/>
+            </a:xfrm>
+            <a:prstGeom prst="rect">
+              <a:avLst/>
+            </a:prstGeom>
+            <a:solidFill>
+              <a:schemeClr val="accent1">
+                <a:lumMod val="50000"/>
+              </a:schemeClr>
+            </a:solidFill>
+            <a:ln>
+              <a:noFill/>
+            </a:ln>
+          </p:spPr>
+          <p:style>
+            <a:lnRef idx="2">
+              <a:schemeClr val="accent1">
+                <a:shade val="50000"/>
+              </a:schemeClr>
+            </a:lnRef>
+            <a:fillRef idx="1">
+              <a:schemeClr val="accent1"/>
+            </a:fillRef>
+            <a:effectRef idx="0">
+              <a:schemeClr val="accent1"/>
+            </a:effectRef>
+            <a:fontRef idx="minor">
+              <a:schemeClr val="lt1"/>
+            </a:fontRef>
+          </p:style>
+          <p:txBody>
+            <a:bodyPr rtlCol="0" anchor="ctr"/>
+            <a:lstStyle/>
+            <a:p>
+              <a:pPr algn="ctr"/>
+              <a:r>
+                <a:rPr lang="en-US" sz="1100" dirty="0">
+                  <a:solidFill>
+                    <a:schemeClr val="bg1"/>
+                  </a:solidFill>
+                </a:rPr>
+                <a:t>Introductions</a:t>
+              </a:r>
+            </a:p>
+          </p:txBody>
+        </p:sp>
+        <p:sp>
+          <p:nvSpPr>
+            <p:cNvPr id="27" name="Rectangle 26"/>
+            <p:cNvSpPr/>
+            <p:nvPr/>
+          </p:nvSpPr>
+          <p:spPr>
+            <a:xfrm>
+              <a:off x="4740127" y="6529388"/>
+              <a:ext cx="1920240" cy="328613"/>
+            </a:xfrm>
+            <a:prstGeom prst="rect">
+              <a:avLst/>
+            </a:prstGeom>
+            <a:solidFill>
+              <a:schemeClr val="accent1">
+                <a:lumMod val="50000"/>
+              </a:schemeClr>
+            </a:solidFill>
+            <a:ln>
+              <a:noFill/>
+            </a:ln>
+          </p:spPr>
+          <p:style>
+            <a:lnRef idx="2">
+              <a:schemeClr val="accent1">
+                <a:shade val="50000"/>
+              </a:schemeClr>
+            </a:lnRef>
+            <a:fillRef idx="1">
+              <a:schemeClr val="accent1"/>
+            </a:fillRef>
+            <a:effectRef idx="0">
+              <a:schemeClr val="accent1"/>
+            </a:effectRef>
+            <a:fontRef idx="minor">
+              <a:schemeClr val="lt1"/>
+            </a:fontRef>
+          </p:style>
+          <p:txBody>
+            <a:bodyPr rtlCol="0" anchor="ctr"/>
+            <a:lstStyle/>
+            <a:p>
+              <a:pPr lvl="0" algn="ctr"/>
+              <a:r>
+                <a:rPr lang="en-US" sz="1100" dirty="0" smtClean="0">
+                  <a:solidFill>
+                    <a:schemeClr val="bg1"/>
+                  </a:solidFill>
+                </a:rPr>
+                <a:t>Dataset 2011-2015</a:t>
+              </a:r>
+              <a:endParaRPr lang="en-US" sz="1100" dirty="0">
+                <a:solidFill>
+                  <a:schemeClr val="bg1"/>
+                </a:solidFill>
+              </a:endParaRPr>
+            </a:p>
+          </p:txBody>
+        </p:sp>
+        <p:sp>
+          <p:nvSpPr>
+            <p:cNvPr id="28" name="Rectangle 27"/>
+            <p:cNvSpPr/>
+            <p:nvPr/>
+          </p:nvSpPr>
+          <p:spPr>
+            <a:xfrm>
+              <a:off x="6665503" y="6529388"/>
+              <a:ext cx="1926246" cy="328613"/>
+            </a:xfrm>
+            <a:prstGeom prst="rect">
+              <a:avLst/>
+            </a:prstGeom>
+            <a:solidFill>
+              <a:schemeClr val="bg1"/>
+            </a:solidFill>
+            <a:ln>
+              <a:noFill/>
+            </a:ln>
+          </p:spPr>
+          <p:style>
+            <a:lnRef idx="2">
+              <a:schemeClr val="accent1">
+                <a:shade val="50000"/>
+              </a:schemeClr>
+            </a:lnRef>
+            <a:fillRef idx="1">
+              <a:schemeClr val="accent1"/>
+            </a:fillRef>
+            <a:effectRef idx="0">
+              <a:schemeClr val="accent1"/>
+            </a:effectRef>
+            <a:fontRef idx="minor">
+              <a:schemeClr val="lt1"/>
+            </a:fontRef>
+          </p:style>
+          <p:txBody>
+            <a:bodyPr rtlCol="0" anchor="ctr"/>
+            <a:lstStyle/>
+            <a:p>
+              <a:pPr algn="ctr"/>
+              <a:r>
+                <a:rPr lang="en-US" sz="1100" dirty="0">
+                  <a:solidFill>
+                    <a:srgbClr val="002060"/>
+                  </a:solidFill>
+                </a:rPr>
+                <a:t>Dataset 2015-2016</a:t>
+              </a:r>
+            </a:p>
+          </p:txBody>
+        </p:sp>
+        <p:cxnSp>
+          <p:nvCxnSpPr>
+            <p:cNvPr id="29" name="Straight Connector 28"/>
+            <p:cNvCxnSpPr/>
+            <p:nvPr/>
+          </p:nvCxnSpPr>
+          <p:spPr>
+            <a:xfrm>
+              <a:off x="894510" y="6529387"/>
+              <a:ext cx="0" cy="328613"/>
+            </a:xfrm>
+            <a:prstGeom prst="line">
+              <a:avLst/>
+            </a:prstGeom>
+            <a:ln w="12700">
+              <a:solidFill>
+                <a:schemeClr val="tx1"/>
+              </a:solidFill>
+            </a:ln>
+          </p:spPr>
+          <p:style>
+            <a:lnRef idx="1">
+              <a:schemeClr val="accent1"/>
+            </a:lnRef>
+            <a:fillRef idx="0">
+              <a:schemeClr val="accent1"/>
+            </a:fillRef>
+            <a:effectRef idx="0">
+              <a:schemeClr val="accent1"/>
+            </a:effectRef>
+            <a:fontRef idx="minor">
+              <a:schemeClr val="tx1"/>
+            </a:fontRef>
+          </p:style>
+        </p:cxnSp>
+        <p:cxnSp>
+          <p:nvCxnSpPr>
+            <p:cNvPr id="30" name="Straight Connector 29"/>
+            <p:cNvCxnSpPr/>
+            <p:nvPr/>
+          </p:nvCxnSpPr>
+          <p:spPr>
+            <a:xfrm>
+              <a:off x="8585743" y="6529387"/>
+              <a:ext cx="0" cy="328613"/>
+            </a:xfrm>
+            <a:prstGeom prst="line">
+              <a:avLst/>
+            </a:prstGeom>
+            <a:ln w="12700">
+              <a:solidFill>
+                <a:schemeClr val="tx1"/>
+              </a:solidFill>
+            </a:ln>
+          </p:spPr>
+          <p:style>
+            <a:lnRef idx="1">
+              <a:schemeClr val="accent1"/>
+            </a:lnRef>
+            <a:fillRef idx="0">
+              <a:schemeClr val="accent1"/>
+            </a:fillRef>
+            <a:effectRef idx="0">
+              <a:schemeClr val="accent1"/>
+            </a:effectRef>
+            <a:fontRef idx="minor">
+              <a:schemeClr val="tx1"/>
+            </a:fontRef>
+          </p:style>
+        </p:cxnSp>
+        <p:cxnSp>
+          <p:nvCxnSpPr>
+            <p:cNvPr id="31" name="Straight Connector 30"/>
+            <p:cNvCxnSpPr/>
+            <p:nvPr/>
+          </p:nvCxnSpPr>
+          <p:spPr>
+            <a:xfrm>
+              <a:off x="2809828" y="6529387"/>
+              <a:ext cx="0" cy="328613"/>
+            </a:xfrm>
+            <a:prstGeom prst="line">
+              <a:avLst/>
+            </a:prstGeom>
+            <a:ln w="12700">
+              <a:solidFill>
+                <a:schemeClr val="tx1"/>
+              </a:solidFill>
+            </a:ln>
+          </p:spPr>
+          <p:style>
+            <a:lnRef idx="1">
+              <a:schemeClr val="accent1"/>
+            </a:lnRef>
+            <a:fillRef idx="0">
+              <a:schemeClr val="accent1"/>
+            </a:fillRef>
+            <a:effectRef idx="0">
+              <a:schemeClr val="accent1"/>
+            </a:effectRef>
+            <a:fontRef idx="minor">
+              <a:schemeClr val="tx1"/>
+            </a:fontRef>
+          </p:style>
+        </p:cxnSp>
+        <p:cxnSp>
+          <p:nvCxnSpPr>
+            <p:cNvPr id="32" name="Straight Connector 31"/>
+            <p:cNvCxnSpPr/>
+            <p:nvPr/>
+          </p:nvCxnSpPr>
+          <p:spPr>
+            <a:xfrm>
+              <a:off x="4729854" y="6529387"/>
+              <a:ext cx="0" cy="328613"/>
+            </a:xfrm>
+            <a:prstGeom prst="line">
+              <a:avLst/>
+            </a:prstGeom>
+            <a:ln w="12700">
+              <a:solidFill>
+                <a:schemeClr val="tx1"/>
+              </a:solidFill>
+            </a:ln>
+          </p:spPr>
+          <p:style>
+            <a:lnRef idx="1">
+              <a:schemeClr val="accent1"/>
+            </a:lnRef>
+            <a:fillRef idx="0">
+              <a:schemeClr val="accent1"/>
+            </a:fillRef>
+            <a:effectRef idx="0">
+              <a:schemeClr val="accent1"/>
+            </a:effectRef>
+            <a:fontRef idx="minor">
+              <a:schemeClr val="tx1"/>
+            </a:fontRef>
+          </p:style>
+        </p:cxnSp>
+        <p:cxnSp>
+          <p:nvCxnSpPr>
+            <p:cNvPr id="33" name="Straight Connector 32"/>
+            <p:cNvCxnSpPr/>
+            <p:nvPr/>
+          </p:nvCxnSpPr>
+          <p:spPr>
+            <a:xfrm>
+              <a:off x="6664562" y="6529387"/>
+              <a:ext cx="0" cy="328613"/>
+            </a:xfrm>
+            <a:prstGeom prst="line">
+              <a:avLst/>
+            </a:prstGeom>
+            <a:ln w="12700">
+              <a:solidFill>
+                <a:schemeClr val="tx1"/>
+              </a:solidFill>
+            </a:ln>
+          </p:spPr>
+          <p:style>
+            <a:lnRef idx="1">
+              <a:schemeClr val="accent1"/>
+            </a:lnRef>
+            <a:fillRef idx="0">
+              <a:schemeClr val="accent1"/>
+            </a:fillRef>
+            <a:effectRef idx="0">
+              <a:schemeClr val="accent1"/>
+            </a:effectRef>
+            <a:fontRef idx="minor">
+              <a:schemeClr val="tx1"/>
+            </a:fontRef>
+          </p:style>
+        </p:cxnSp>
+        <p:sp>
+          <p:nvSpPr>
+            <p:cNvPr id="34" name="Rectangle 33"/>
+            <p:cNvSpPr/>
+            <p:nvPr/>
+          </p:nvSpPr>
+          <p:spPr>
+            <a:xfrm>
+              <a:off x="8579738" y="6529388"/>
+              <a:ext cx="1920240" cy="328613"/>
+            </a:xfrm>
+            <a:prstGeom prst="rect">
+              <a:avLst/>
+            </a:prstGeom>
+            <a:solidFill>
+              <a:schemeClr val="accent1">
+                <a:lumMod val="50000"/>
+              </a:schemeClr>
+            </a:solidFill>
+            <a:ln>
+              <a:noFill/>
+            </a:ln>
+          </p:spPr>
+          <p:style>
+            <a:lnRef idx="2">
+              <a:schemeClr val="accent1">
+                <a:shade val="50000"/>
+              </a:schemeClr>
+            </a:lnRef>
+            <a:fillRef idx="1">
+              <a:schemeClr val="accent1"/>
+            </a:fillRef>
+            <a:effectRef idx="0">
+              <a:schemeClr val="accent1"/>
+            </a:effectRef>
+            <a:fontRef idx="minor">
+              <a:schemeClr val="lt1"/>
+            </a:fontRef>
+          </p:style>
+          <p:txBody>
+            <a:bodyPr rtlCol="0" anchor="ctr"/>
+            <a:lstStyle/>
+            <a:p>
+              <a:pPr lvl="0" algn="ctr"/>
+              <a:r>
+                <a:rPr lang="en-US" sz="1100" dirty="0" smtClean="0">
+                  <a:solidFill>
+                    <a:schemeClr val="bg1"/>
+                  </a:solidFill>
+                </a:rPr>
+                <a:t>Recommendations</a:t>
+              </a:r>
+              <a:endParaRPr lang="en-US" sz="1100" dirty="0">
+                <a:solidFill>
+                  <a:schemeClr val="bg1"/>
+                </a:solidFill>
+              </a:endParaRPr>
+            </a:p>
+          </p:txBody>
+        </p:sp>
+        <p:sp>
+          <p:nvSpPr>
+            <p:cNvPr id="35" name="Rectangle 34"/>
+            <p:cNvSpPr/>
+            <p:nvPr/>
+          </p:nvSpPr>
+          <p:spPr>
+            <a:xfrm>
+              <a:off x="10500919" y="6529388"/>
+              <a:ext cx="1691081" cy="328613"/>
+            </a:xfrm>
+            <a:prstGeom prst="rect">
+              <a:avLst/>
+            </a:prstGeom>
+            <a:solidFill>
+              <a:schemeClr val="accent1">
+                <a:lumMod val="50000"/>
+              </a:schemeClr>
+            </a:solidFill>
+            <a:ln>
+              <a:noFill/>
+            </a:ln>
+          </p:spPr>
+          <p:style>
+            <a:lnRef idx="2">
+              <a:schemeClr val="accent1">
+                <a:shade val="50000"/>
+              </a:schemeClr>
+            </a:lnRef>
+            <a:fillRef idx="1">
+              <a:schemeClr val="accent1"/>
+            </a:fillRef>
+            <a:effectRef idx="0">
+              <a:schemeClr val="accent1"/>
+            </a:effectRef>
+            <a:fontRef idx="minor">
+              <a:schemeClr val="lt1"/>
+            </a:fontRef>
+          </p:style>
+          <p:txBody>
+            <a:bodyPr rtlCol="0" anchor="ctr"/>
+            <a:lstStyle/>
+            <a:p>
+              <a:pPr lvl="0" algn="ctr"/>
+              <a:r>
+                <a:rPr lang="en-US" sz="1100" dirty="0" smtClean="0">
+                  <a:solidFill>
+                    <a:schemeClr val="bg1"/>
+                  </a:solidFill>
+                </a:rPr>
+                <a:t>Next steps</a:t>
+              </a:r>
+              <a:endParaRPr lang="en-US" sz="1100" dirty="0">
+                <a:solidFill>
+                  <a:schemeClr val="bg1"/>
+                </a:solidFill>
+              </a:endParaRPr>
+            </a:p>
+          </p:txBody>
+        </p:sp>
+        <p:cxnSp>
+          <p:nvCxnSpPr>
+            <p:cNvPr id="36" name="Straight Connector 35"/>
+            <p:cNvCxnSpPr/>
+            <p:nvPr/>
+          </p:nvCxnSpPr>
+          <p:spPr>
+            <a:xfrm>
+              <a:off x="12178267" y="6529387"/>
+              <a:ext cx="0" cy="328613"/>
+            </a:xfrm>
+            <a:prstGeom prst="line">
+              <a:avLst/>
+            </a:prstGeom>
+            <a:ln w="12700">
+              <a:solidFill>
+                <a:schemeClr val="tx1"/>
+              </a:solidFill>
+            </a:ln>
+          </p:spPr>
+          <p:style>
+            <a:lnRef idx="1">
+              <a:schemeClr val="accent1"/>
+            </a:lnRef>
+            <a:fillRef idx="0">
+              <a:schemeClr val="accent1"/>
+            </a:fillRef>
+            <a:effectRef idx="0">
+              <a:schemeClr val="accent1"/>
+            </a:effectRef>
+            <a:fontRef idx="minor">
+              <a:schemeClr val="tx1"/>
+            </a:fontRef>
+          </p:style>
+        </p:cxnSp>
+        <p:cxnSp>
+          <p:nvCxnSpPr>
+            <p:cNvPr id="37" name="Straight Connector 36"/>
+            <p:cNvCxnSpPr/>
+            <p:nvPr/>
+          </p:nvCxnSpPr>
+          <p:spPr>
+            <a:xfrm>
+              <a:off x="10499978" y="6529387"/>
+              <a:ext cx="0" cy="328613"/>
+            </a:xfrm>
+            <a:prstGeom prst="line">
+              <a:avLst/>
+            </a:prstGeom>
+            <a:ln w="12700">
+              <a:solidFill>
+                <a:schemeClr val="tx1"/>
+              </a:solidFill>
+            </a:ln>
+          </p:spPr>
+          <p:style>
+            <a:lnRef idx="1">
+              <a:schemeClr val="accent1"/>
+            </a:lnRef>
+            <a:fillRef idx="0">
+              <a:schemeClr val="accent1"/>
+            </a:fillRef>
+            <a:effectRef idx="0">
+              <a:schemeClr val="accent1"/>
+            </a:effectRef>
+            <a:fontRef idx="minor">
+              <a:schemeClr val="tx1"/>
+            </a:fontRef>
+          </p:style>
+        </p:cxnSp>
+        <p:cxnSp>
+          <p:nvCxnSpPr>
+            <p:cNvPr id="38" name="Straight Connector 37"/>
+            <p:cNvCxnSpPr/>
+            <p:nvPr/>
+          </p:nvCxnSpPr>
+          <p:spPr>
+            <a:xfrm>
+              <a:off x="8591749" y="6529387"/>
+              <a:ext cx="0" cy="328613"/>
+            </a:xfrm>
+            <a:prstGeom prst="line">
+              <a:avLst/>
+            </a:prstGeom>
+            <a:ln w="12700">
+              <a:solidFill>
+                <a:schemeClr val="tx1"/>
+              </a:solidFill>
+            </a:ln>
+          </p:spPr>
+          <p:style>
+            <a:lnRef idx="1">
+              <a:schemeClr val="accent1"/>
+            </a:lnRef>
+            <a:fillRef idx="0">
+              <a:schemeClr val="accent1"/>
+            </a:fillRef>
+            <a:effectRef idx="0">
+              <a:schemeClr val="accent1"/>
+            </a:effectRef>
+            <a:fontRef idx="minor">
+              <a:schemeClr val="tx1"/>
+            </a:fontRef>
+          </p:style>
+        </p:cxnSp>
+        <p:pic>
+          <p:nvPicPr>
+            <p:cNvPr id="39" name="Picture 38"/>
+            <p:cNvPicPr>
+              <a:picLocks noChangeAspect="1"/>
+            </p:cNvPicPr>
+            <p:nvPr/>
+          </p:nvPicPr>
+          <p:blipFill>
+            <a:blip r:embed="rId2">
+              <a:extLst>
+                <a:ext uri="{28A0092B-C50C-407E-A947-70E740481C1C}">
+                  <a14:useLocalDpi xmlns:a14="http://schemas.microsoft.com/office/drawing/2010/main" val="0"/>
+                </a:ext>
+              </a:extLst>
+            </a:blip>
+            <a:stretch>
+              <a:fillRect/>
+            </a:stretch>
+          </p:blipFill>
+          <p:spPr>
+            <a:xfrm>
+              <a:off x="-1" y="6529386"/>
+              <a:ext cx="898780" cy="328613"/>
+            </a:xfrm>
+            <a:prstGeom prst="rect">
+              <a:avLst/>
+            </a:prstGeom>
+            <a:solidFill>
+              <a:schemeClr val="bg1"/>
+            </a:solidFill>
+            <a:ln>
+              <a:noFill/>
+            </a:ln>
+          </p:spPr>
+        </p:pic>
+      </p:grpSp>
+      <p:sp>
+        <p:nvSpPr>
+          <p:cNvPr id="19" name="Rectangle 18"/>
+          <p:cNvSpPr/>
+          <p:nvPr/>
+        </p:nvSpPr>
+        <p:spPr>
+          <a:xfrm>
+            <a:off x="474154" y="947163"/>
             <a:ext cx="9069896" cy="1077218"/>
           </a:xfrm>
           <a:prstGeom prst="rect">
@@ -5352,7 +6468,7 @@
 </p:sld>
 </file>
 
-<file path=ppt/slides/slide11.xml><?xml version="1.0" encoding="utf-8"?>
+<file path=ppt/slides/slide12.xml><?xml version="1.0" encoding="utf-8"?>
 <p:sld xmlns:a="http://schemas.openxmlformats.org/drawingml/2006/main" xmlns:r="http://schemas.openxmlformats.org/officeDocument/2006/relationships" xmlns:p="http://schemas.openxmlformats.org/presentationml/2006/main">
   <p:cSld>
     <p:spTree>
@@ -5575,7 +6691,7 @@
           <a:p>
             <a:fld id="{B690234E-7369-2A40-8D63-E8E5C07741EF}" type="slidenum">
               <a:rPr lang="en-US" smtClean="0"/>
-              <a:t>11</a:t>
+              <a:t>12</a:t>
             </a:fld>
             <a:endParaRPr lang="en-US"/>
           </a:p>
@@ -6478,7 +7594,7 @@
 </p:sld>
 </file>
 
-<file path=ppt/slides/slide12.xml><?xml version="1.0" encoding="utf-8"?>
+<file path=ppt/slides/slide13.xml><?xml version="1.0" encoding="utf-8"?>
 <p:sld xmlns:a="http://schemas.openxmlformats.org/drawingml/2006/main" xmlns:r="http://schemas.openxmlformats.org/officeDocument/2006/relationships" xmlns:p="http://schemas.openxmlformats.org/presentationml/2006/main">
   <p:cSld>
     <p:spTree>
@@ -6512,7 +7628,7 @@
           <a:p>
             <a:fld id="{B690234E-7369-2A40-8D63-E8E5C07741EF}" type="slidenum">
               <a:rPr lang="en-US" smtClean="0"/>
-              <a:t>12</a:t>
+              <a:t>13</a:t>
             </a:fld>
             <a:endParaRPr lang="en-US"/>
           </a:p>
@@ -7387,7 +8503,7 @@
 </p:sld>
 </file>
 
-<file path=ppt/slides/slide13.xml><?xml version="1.0" encoding="utf-8"?>
+<file path=ppt/slides/slide14.xml><?xml version="1.0" encoding="utf-8"?>
 <p:sld xmlns:a="http://schemas.openxmlformats.org/drawingml/2006/main" xmlns:r="http://schemas.openxmlformats.org/officeDocument/2006/relationships" xmlns:p="http://schemas.openxmlformats.org/presentationml/2006/main">
   <p:cSld>
     <p:spTree>
@@ -7421,7 +8537,7 @@
           <a:p>
             <a:fld id="{B690234E-7369-2A40-8D63-E8E5C07741EF}" type="slidenum">
               <a:rPr lang="en-US" smtClean="0"/>
-              <a:t>13</a:t>
+              <a:t>14</a:t>
             </a:fld>
             <a:endParaRPr lang="en-US"/>
           </a:p>
@@ -8286,7 +9402,7 @@
 </p:sld>
 </file>
 
-<file path=ppt/slides/slide14.xml><?xml version="1.0" encoding="utf-8"?>
+<file path=ppt/slides/slide15.xml><?xml version="1.0" encoding="utf-8"?>
 <p:sld xmlns:a="http://schemas.openxmlformats.org/drawingml/2006/main" xmlns:r="http://schemas.openxmlformats.org/officeDocument/2006/relationships" xmlns:p="http://schemas.openxmlformats.org/presentationml/2006/main">
   <p:cSld>
     <p:spTree>
@@ -8320,7 +9436,7 @@
           <a:p>
             <a:fld id="{B690234E-7369-2A40-8D63-E8E5C07741EF}" type="slidenum">
               <a:rPr lang="en-US" smtClean="0"/>
-              <a:t>14</a:t>
+              <a:t>15</a:t>
             </a:fld>
             <a:endParaRPr lang="en-US"/>
           </a:p>
@@ -9234,7 +10350,7 @@
 </p:sld>
 </file>
 
-<file path=ppt/slides/slide15.xml><?xml version="1.0" encoding="utf-8"?>
+<file path=ppt/slides/slide16.xml><?xml version="1.0" encoding="utf-8"?>
 <p:sld xmlns:a="http://schemas.openxmlformats.org/drawingml/2006/main" xmlns:r="http://schemas.openxmlformats.org/officeDocument/2006/relationships" xmlns:p="http://schemas.openxmlformats.org/presentationml/2006/main">
   <p:cSld>
     <p:spTree>
@@ -9268,7 +10384,7 @@
           <a:p>
             <a:fld id="{B690234E-7369-2A40-8D63-E8E5C07741EF}" type="slidenum">
               <a:rPr lang="en-US" smtClean="0"/>
-              <a:t>15</a:t>
+              <a:t>16</a:t>
             </a:fld>
             <a:endParaRPr lang="en-US"/>
           </a:p>
@@ -10174,7 +11290,7 @@
 </p:sld>
 </file>
 
-<file path=ppt/slides/slide16.xml><?xml version="1.0" encoding="utf-8"?>
+<file path=ppt/slides/slide17.xml><?xml version="1.0" encoding="utf-8"?>
 <p:sld xmlns:a="http://schemas.openxmlformats.org/drawingml/2006/main" xmlns:r="http://schemas.openxmlformats.org/officeDocument/2006/relationships" xmlns:p="http://schemas.openxmlformats.org/presentationml/2006/main">
   <p:cSld>
     <p:spTree>
@@ -10208,7 +11324,7 @@
           <a:p>
             <a:fld id="{B690234E-7369-2A40-8D63-E8E5C07741EF}" type="slidenum">
               <a:rPr lang="en-US" smtClean="0"/>
-              <a:t>16</a:t>
+              <a:t>17</a:t>
             </a:fld>
             <a:endParaRPr lang="en-US"/>
           </a:p>
@@ -11069,7 +12185,7 @@
 </p:sld>
 </file>
 
-<file path=ppt/slides/slide17.xml><?xml version="1.0" encoding="utf-8"?>
+<file path=ppt/slides/slide18.xml><?xml version="1.0" encoding="utf-8"?>
 <p:sld xmlns:a="http://schemas.openxmlformats.org/drawingml/2006/main" xmlns:r="http://schemas.openxmlformats.org/officeDocument/2006/relationships" xmlns:p="http://schemas.openxmlformats.org/presentationml/2006/main">
   <p:cSld>
     <p:spTree>
@@ -11103,7 +12219,7 @@
           <a:p>
             <a:fld id="{B690234E-7369-2A40-8D63-E8E5C07741EF}" type="slidenum">
               <a:rPr lang="en-US" smtClean="0"/>
-              <a:t>17</a:t>
+              <a:t>18</a:t>
             </a:fld>
             <a:endParaRPr lang="en-US"/>
           </a:p>
@@ -12119,7 +13235,7 @@
 </p:sld>
 </file>
 
-<file path=ppt/slides/slide18.xml><?xml version="1.0" encoding="utf-8"?>
+<file path=ppt/slides/slide19.xml><?xml version="1.0" encoding="utf-8"?>
 <p:sld xmlns:a="http://schemas.openxmlformats.org/drawingml/2006/main" xmlns:r="http://schemas.openxmlformats.org/officeDocument/2006/relationships" xmlns:p="http://schemas.openxmlformats.org/presentationml/2006/main">
   <p:cSld>
     <p:spTree>
@@ -12153,7 +13269,7 @@
           <a:p>
             <a:fld id="{B690234E-7369-2A40-8D63-E8E5C07741EF}" type="slidenum">
               <a:rPr lang="en-US" smtClean="0"/>
-              <a:t>18</a:t>
+              <a:t>19</a:t>
             </a:fld>
             <a:endParaRPr lang="en-US"/>
           </a:p>
@@ -12182,11 +13298,7 @@
           <a:p>
             <a:r>
               <a:rPr lang="en-US" sz="3200" dirty="0" smtClean="0"/>
-              <a:t>Next </a:t>
-            </a:r>
-            <a:r>
-              <a:rPr lang="en-US" sz="3200" dirty="0" smtClean="0"/>
-              <a:t>Steps…</a:t>
+              <a:t>Nest Steps…</a:t>
             </a:r>
             <a:endParaRPr lang="en-US" sz="3200" dirty="0"/>
           </a:p>
@@ -12986,133 +14098,6 @@
 </p:sld>
 </file>
 
-<file path=ppt/slides/slide19.xml><?xml version="1.0" encoding="utf-8"?>
-<p:sld xmlns:a="http://schemas.openxmlformats.org/drawingml/2006/main" xmlns:r="http://schemas.openxmlformats.org/officeDocument/2006/relationships" xmlns:p="http://schemas.openxmlformats.org/presentationml/2006/main">
-  <p:cSld>
-    <p:spTree>
-      <p:nvGrpSpPr>
-        <p:cNvPr id="1" name=""/>
-        <p:cNvGrpSpPr/>
-        <p:nvPr/>
-      </p:nvGrpSpPr>
-      <p:grpSpPr>
-        <a:xfrm>
-          <a:off x="0" y="0"/>
-          <a:ext cx="0" cy="0"/>
-          <a:chOff x="0" y="0"/>
-          <a:chExt cx="0" cy="0"/>
-        </a:xfrm>
-      </p:grpSpPr>
-      <p:sp>
-        <p:nvSpPr>
-          <p:cNvPr id="3" name="Slide Number Placeholder 2"/>
-          <p:cNvSpPr>
-            <a:spLocks noGrp="1"/>
-          </p:cNvSpPr>
-          <p:nvPr>
-            <p:ph type="sldNum" sz="quarter" idx="12"/>
-          </p:nvPr>
-        </p:nvSpPr>
-        <p:spPr/>
-        <p:txBody>
-          <a:bodyPr/>
-          <a:lstStyle/>
-          <a:p>
-            <a:fld id="{B690234E-7369-2A40-8D63-E8E5C07741EF}" type="slidenum">
-              <a:rPr lang="en-US" smtClean="0"/>
-              <a:t>19</a:t>
-            </a:fld>
-            <a:endParaRPr lang="en-US"/>
-          </a:p>
-        </p:txBody>
-      </p:sp>
-      <p:sp>
-        <p:nvSpPr>
-          <p:cNvPr id="4" name="Rectangle 3"/>
-          <p:cNvSpPr/>
-          <p:nvPr/>
-        </p:nvSpPr>
-        <p:spPr>
-          <a:xfrm>
-            <a:off x="2921000" y="1236346"/>
-            <a:ext cx="6096000" cy="1015663"/>
-          </a:xfrm>
-          <a:prstGeom prst="rect">
-            <a:avLst/>
-          </a:prstGeom>
-        </p:spPr>
-        <p:txBody>
-          <a:bodyPr>
-            <a:spAutoFit/>
-          </a:bodyPr>
-          <a:lstStyle/>
-          <a:p>
-            <a:pPr algn="ctr"/>
-            <a:r>
-              <a:rPr lang="en-US" sz="4000" dirty="0"/>
-              <a:t>Thank You</a:t>
-            </a:r>
-          </a:p>
-          <a:p>
-            <a:pPr algn="ctr"/>
-            <a:r>
-              <a:rPr lang="en-US" sz="2000" dirty="0" smtClean="0"/>
-              <a:t>Questions</a:t>
-            </a:r>
-            <a:endParaRPr lang="en-US" sz="2000" dirty="0"/>
-          </a:p>
-        </p:txBody>
-      </p:sp>
-      <p:pic>
-        <p:nvPicPr>
-          <p:cNvPr id="5" name="Picture 4"/>
-          <p:cNvPicPr>
-            <a:picLocks noChangeAspect="1"/>
-          </p:cNvPicPr>
-          <p:nvPr/>
-        </p:nvPicPr>
-        <p:blipFill>
-          <a:blip r:embed="rId2">
-            <a:extLst>
-              <a:ext uri="{28A0092B-C50C-407E-A947-70E740481C1C}">
-                <a14:useLocalDpi xmlns:a14="http://schemas.microsoft.com/office/drawing/2010/main" val="0"/>
-              </a:ext>
-            </a:extLst>
-          </a:blip>
-          <a:stretch>
-            <a:fillRect/>
-          </a:stretch>
-        </p:blipFill>
-        <p:spPr>
-          <a:xfrm>
-            <a:off x="4364418" y="2517599"/>
-            <a:ext cx="3450842" cy="3305829"/>
-          </a:xfrm>
-          <a:prstGeom prst="rect">
-            <a:avLst/>
-          </a:prstGeom>
-        </p:spPr>
-      </p:pic>
-    </p:spTree>
-    <p:extLst>
-      <p:ext uri="{BB962C8B-B14F-4D97-AF65-F5344CB8AC3E}">
-        <p14:creationId xmlns:p14="http://schemas.microsoft.com/office/powerpoint/2010/main" val="730199492"/>
-      </p:ext>
-    </p:extLst>
-  </p:cSld>
-  <p:clrMapOvr>
-    <a:masterClrMapping/>
-  </p:clrMapOvr>
-  <p:timing>
-    <p:tnLst>
-      <p:par>
-        <p:cTn id="1" dur="indefinite" restart="never" nodeType="tmRoot"/>
-      </p:par>
-    </p:tnLst>
-  </p:timing>
-</p:sld>
-</file>
-
 <file path=ppt/slides/slide2.xml><?xml version="1.0" encoding="utf-8"?>
 <p:sld xmlns:a="http://schemas.openxmlformats.org/drawingml/2006/main" xmlns:r="http://schemas.openxmlformats.org/officeDocument/2006/relationships" xmlns:p="http://schemas.openxmlformats.org/presentationml/2006/main">
   <p:cSld>
@@ -14302,6 +15287,133 @@
     <p:extLst>
       <p:ext uri="{BB962C8B-B14F-4D97-AF65-F5344CB8AC3E}">
         <p14:creationId xmlns:p14="http://schemas.microsoft.com/office/powerpoint/2010/main" val="1647149314"/>
+      </p:ext>
+    </p:extLst>
+  </p:cSld>
+  <p:clrMapOvr>
+    <a:masterClrMapping/>
+  </p:clrMapOvr>
+  <p:timing>
+    <p:tnLst>
+      <p:par>
+        <p:cTn id="1" dur="indefinite" restart="never" nodeType="tmRoot"/>
+      </p:par>
+    </p:tnLst>
+  </p:timing>
+</p:sld>
+</file>
+
+<file path=ppt/slides/slide20.xml><?xml version="1.0" encoding="utf-8"?>
+<p:sld xmlns:a="http://schemas.openxmlformats.org/drawingml/2006/main" xmlns:r="http://schemas.openxmlformats.org/officeDocument/2006/relationships" xmlns:p="http://schemas.openxmlformats.org/presentationml/2006/main">
+  <p:cSld>
+    <p:spTree>
+      <p:nvGrpSpPr>
+        <p:cNvPr id="1" name=""/>
+        <p:cNvGrpSpPr/>
+        <p:nvPr/>
+      </p:nvGrpSpPr>
+      <p:grpSpPr>
+        <a:xfrm>
+          <a:off x="0" y="0"/>
+          <a:ext cx="0" cy="0"/>
+          <a:chOff x="0" y="0"/>
+          <a:chExt cx="0" cy="0"/>
+        </a:xfrm>
+      </p:grpSpPr>
+      <p:sp>
+        <p:nvSpPr>
+          <p:cNvPr id="3" name="Slide Number Placeholder 2"/>
+          <p:cNvSpPr>
+            <a:spLocks noGrp="1"/>
+          </p:cNvSpPr>
+          <p:nvPr>
+            <p:ph type="sldNum" sz="quarter" idx="12"/>
+          </p:nvPr>
+        </p:nvSpPr>
+        <p:spPr/>
+        <p:txBody>
+          <a:bodyPr/>
+          <a:lstStyle/>
+          <a:p>
+            <a:fld id="{B690234E-7369-2A40-8D63-E8E5C07741EF}" type="slidenum">
+              <a:rPr lang="en-US" smtClean="0"/>
+              <a:t>20</a:t>
+            </a:fld>
+            <a:endParaRPr lang="en-US"/>
+          </a:p>
+        </p:txBody>
+      </p:sp>
+      <p:sp>
+        <p:nvSpPr>
+          <p:cNvPr id="4" name="Rectangle 3"/>
+          <p:cNvSpPr/>
+          <p:nvPr/>
+        </p:nvSpPr>
+        <p:spPr>
+          <a:xfrm>
+            <a:off x="2921000" y="1236346"/>
+            <a:ext cx="6096000" cy="1015663"/>
+          </a:xfrm>
+          <a:prstGeom prst="rect">
+            <a:avLst/>
+          </a:prstGeom>
+        </p:spPr>
+        <p:txBody>
+          <a:bodyPr>
+            <a:spAutoFit/>
+          </a:bodyPr>
+          <a:lstStyle/>
+          <a:p>
+            <a:pPr algn="ctr"/>
+            <a:r>
+              <a:rPr lang="en-US" sz="4000" dirty="0"/>
+              <a:t>Thank You</a:t>
+            </a:r>
+          </a:p>
+          <a:p>
+            <a:pPr algn="ctr"/>
+            <a:r>
+              <a:rPr lang="en-US" sz="2000" dirty="0" smtClean="0"/>
+              <a:t>Questions</a:t>
+            </a:r>
+            <a:endParaRPr lang="en-US" sz="2000" dirty="0"/>
+          </a:p>
+        </p:txBody>
+      </p:sp>
+      <p:pic>
+        <p:nvPicPr>
+          <p:cNvPr id="5" name="Picture 4"/>
+          <p:cNvPicPr>
+            <a:picLocks noChangeAspect="1"/>
+          </p:cNvPicPr>
+          <p:nvPr/>
+        </p:nvPicPr>
+        <p:blipFill>
+          <a:blip r:embed="rId2">
+            <a:extLst>
+              <a:ext uri="{28A0092B-C50C-407E-A947-70E740481C1C}">
+                <a14:useLocalDpi xmlns:a14="http://schemas.microsoft.com/office/drawing/2010/main" val="0"/>
+              </a:ext>
+            </a:extLst>
+          </a:blip>
+          <a:stretch>
+            <a:fillRect/>
+          </a:stretch>
+        </p:blipFill>
+        <p:spPr>
+          <a:xfrm>
+            <a:off x="4364418" y="2517599"/>
+            <a:ext cx="3450842" cy="3305829"/>
+          </a:xfrm>
+          <a:prstGeom prst="rect">
+            <a:avLst/>
+          </a:prstGeom>
+        </p:spPr>
+      </p:pic>
+    </p:spTree>
+    <p:extLst>
+      <p:ext uri="{BB962C8B-B14F-4D97-AF65-F5344CB8AC3E}">
+        <p14:creationId xmlns:p14="http://schemas.microsoft.com/office/powerpoint/2010/main" val="730199492"/>
       </p:ext>
     </p:extLst>
   </p:cSld>
@@ -16068,7 +17180,18 @@
                 <a:cs typeface="Calibri"/>
                 <a:sym typeface="Calibri"/>
               </a:rPr>
-              <a:t> stand </a:t>
+              <a:t> </a:t>
+            </a:r>
+            <a:r>
+              <a:rPr lang="en" sz="2000" dirty="0" smtClean="0">
+                <a:solidFill>
+                  <a:schemeClr val="dk1"/>
+                </a:solidFill>
+                <a:ea typeface="Calibri"/>
+                <a:cs typeface="Calibri"/>
+                <a:sym typeface="Calibri"/>
+              </a:rPr>
+              <a:t>stand </a:t>
             </a:r>
             <a:r>
               <a:rPr lang="en" sz="2000" dirty="0">
@@ -18005,6 +19128,1479 @@
       </p:grpSp>
       <p:sp>
         <p:nvSpPr>
+          <p:cNvPr id="47" name="Content Placeholder 1"/>
+          <p:cNvSpPr>
+            <a:spLocks noGrp="1"/>
+          </p:cNvSpPr>
+          <p:nvPr>
+            <p:ph idx="1"/>
+          </p:nvPr>
+        </p:nvSpPr>
+        <p:spPr>
+          <a:xfrm>
+            <a:off x="595312" y="4704760"/>
+            <a:ext cx="11236324" cy="3854804"/>
+          </a:xfrm>
+        </p:spPr>
+        <p:txBody>
+          <a:bodyPr/>
+          <a:lstStyle/>
+          <a:p>
+            <a:pPr marL="0" indent="0">
+              <a:buNone/>
+            </a:pPr>
+            <a:endParaRPr lang="en-US" sz="2000" dirty="0" smtClean="0"/>
+          </a:p>
+          <a:p>
+            <a:r>
+              <a:rPr lang="en" sz="2000" b="1" dirty="0" smtClean="0">
+                <a:solidFill>
+                  <a:schemeClr val="dk1"/>
+                </a:solidFill>
+                <a:ea typeface="Calibri"/>
+                <a:cs typeface="Calibri"/>
+                <a:sym typeface="Calibri"/>
+              </a:rPr>
+              <a:t>LADBS</a:t>
+            </a:r>
+            <a:r>
+              <a:rPr lang="en" sz="2000" b="1" dirty="0">
+                <a:solidFill>
+                  <a:schemeClr val="dk1"/>
+                </a:solidFill>
+                <a:ea typeface="Calibri"/>
+                <a:cs typeface="Calibri"/>
+                <a:sym typeface="Calibri"/>
+              </a:rPr>
+              <a:t>, BOS, </a:t>
+            </a:r>
+            <a:r>
+              <a:rPr lang="en" sz="2000" b="1" dirty="0" smtClean="0">
+                <a:solidFill>
+                  <a:schemeClr val="dk1"/>
+                </a:solidFill>
+                <a:ea typeface="Calibri"/>
+                <a:cs typeface="Calibri"/>
+                <a:sym typeface="Calibri"/>
+              </a:rPr>
+              <a:t>BPW</a:t>
+            </a:r>
+            <a:r>
+              <a:rPr lang="en-US" sz="2000" b="1" dirty="0" smtClean="0">
+                <a:solidFill>
+                  <a:schemeClr val="dk1"/>
+                </a:solidFill>
+                <a:ea typeface="Calibri"/>
+                <a:cs typeface="Calibri"/>
+                <a:sym typeface="Calibri"/>
+              </a:rPr>
+              <a:t> </a:t>
+            </a:r>
+            <a:r>
+              <a:rPr lang="en-US" sz="2000" dirty="0" smtClean="0">
+                <a:solidFill>
+                  <a:schemeClr val="dk1"/>
+                </a:solidFill>
+                <a:ea typeface="Calibri"/>
+                <a:cs typeface="Calibri"/>
+                <a:sym typeface="Calibri"/>
+              </a:rPr>
+              <a:t>and</a:t>
+            </a:r>
+            <a:r>
+              <a:rPr lang="en-US" sz="2000" b="1" dirty="0" smtClean="0">
+                <a:solidFill>
+                  <a:schemeClr val="dk1"/>
+                </a:solidFill>
+                <a:ea typeface="Calibri"/>
+                <a:cs typeface="Calibri"/>
+                <a:sym typeface="Calibri"/>
+              </a:rPr>
+              <a:t> </a:t>
+            </a:r>
+            <a:r>
+              <a:rPr lang="en" sz="2000" b="1" dirty="0" smtClean="0">
+                <a:solidFill>
+                  <a:schemeClr val="dk1"/>
+                </a:solidFill>
+                <a:ea typeface="Calibri"/>
+                <a:cs typeface="Calibri"/>
+                <a:sym typeface="Calibri"/>
+              </a:rPr>
+              <a:t>BSL</a:t>
+            </a:r>
+            <a:r>
+              <a:rPr lang="en-US" sz="2000" b="1" dirty="0">
+                <a:solidFill>
+                  <a:schemeClr val="dk1"/>
+                </a:solidFill>
+                <a:ea typeface="Calibri"/>
+                <a:cs typeface="Calibri"/>
+                <a:sym typeface="Calibri"/>
+              </a:rPr>
+              <a:t> </a:t>
+            </a:r>
+            <a:r>
+              <a:rPr lang="en" sz="2000" dirty="0" smtClean="0">
+                <a:solidFill>
+                  <a:schemeClr val="dk1"/>
+                </a:solidFill>
+                <a:ea typeface="Calibri"/>
+                <a:cs typeface="Calibri"/>
+                <a:sym typeface="Calibri"/>
+              </a:rPr>
+              <a:t>have </a:t>
+            </a:r>
+            <a:r>
+              <a:rPr lang="en" sz="2000" dirty="0">
+                <a:solidFill>
+                  <a:schemeClr val="dk1"/>
+                </a:solidFill>
+                <a:ea typeface="Calibri"/>
+                <a:cs typeface="Calibri"/>
+                <a:sym typeface="Calibri"/>
+              </a:rPr>
+              <a:t>high volumes of requests, yet their rates of transferred calls are quite </a:t>
+            </a:r>
+            <a:r>
+              <a:rPr lang="en" sz="2000" dirty="0" smtClean="0">
+                <a:solidFill>
+                  <a:schemeClr val="dk1"/>
+                </a:solidFill>
+                <a:ea typeface="Calibri"/>
+                <a:cs typeface="Calibri"/>
+                <a:sym typeface="Calibri"/>
+              </a:rPr>
+              <a:t>low</a:t>
+            </a:r>
+            <a:r>
+              <a:rPr lang="en-US" sz="2000" dirty="0">
+                <a:solidFill>
+                  <a:schemeClr val="dk1"/>
+                </a:solidFill>
+                <a:ea typeface="Calibri"/>
+                <a:cs typeface="Calibri"/>
+                <a:sym typeface="Calibri"/>
+              </a:rPr>
+              <a:t> </a:t>
+            </a:r>
+            <a:r>
+              <a:rPr lang="en-US" sz="2000" dirty="0" smtClean="0">
+                <a:solidFill>
+                  <a:schemeClr val="dk1"/>
+                </a:solidFill>
+                <a:ea typeface="Calibri"/>
+                <a:cs typeface="Calibri"/>
+                <a:sym typeface="Calibri"/>
+              </a:rPr>
+              <a:t>– residents understand what kind of services these departments could offer</a:t>
+            </a:r>
+            <a:endParaRPr lang="en" sz="2000" dirty="0">
+              <a:solidFill>
+                <a:schemeClr val="dk1"/>
+              </a:solidFill>
+              <a:ea typeface="Calibri"/>
+              <a:cs typeface="Calibri"/>
+              <a:sym typeface="Calibri"/>
+            </a:endParaRPr>
+          </a:p>
+        </p:txBody>
+      </p:sp>
+      <p:sp>
+        <p:nvSpPr>
+          <p:cNvPr id="23" name="Rectangle 22"/>
+          <p:cNvSpPr/>
+          <p:nvPr/>
+        </p:nvSpPr>
+        <p:spPr>
+          <a:xfrm>
+            <a:off x="474154" y="947163"/>
+            <a:ext cx="7255384" cy="1077218"/>
+          </a:xfrm>
+          <a:prstGeom prst="rect">
+            <a:avLst/>
+          </a:prstGeom>
+        </p:spPr>
+        <p:txBody>
+          <a:bodyPr wrap="square">
+            <a:spAutoFit/>
+          </a:bodyPr>
+          <a:lstStyle/>
+          <a:p>
+            <a:pPr lvl="0"/>
+            <a:r>
+              <a:rPr lang="en-US" sz="3200" dirty="0" smtClean="0">
+                <a:sym typeface="Arial"/>
+              </a:rPr>
+              <a:t>Handle Rate vs. Referred Rate (Cont’d)</a:t>
+            </a:r>
+            <a:endParaRPr lang="en" sz="3200" dirty="0">
+              <a:sym typeface="Arial"/>
+            </a:endParaRPr>
+          </a:p>
+          <a:p>
+            <a:endParaRPr lang="en-US" sz="3200" dirty="0"/>
+          </a:p>
+        </p:txBody>
+      </p:sp>
+      <p:pic>
+        <p:nvPicPr>
+          <p:cNvPr id="27" name="Shape 88" descr="Top 10 Departments with Lowest Referred Rate.jpeg"/>
+          <p:cNvPicPr preferRelativeResize="0"/>
+          <p:nvPr/>
+        </p:nvPicPr>
+        <p:blipFill>
+          <a:blip r:embed="rId3">
+            <a:alphaModFix/>
+          </a:blip>
+          <a:stretch>
+            <a:fillRect/>
+          </a:stretch>
+        </p:blipFill>
+        <p:spPr>
+          <a:xfrm>
+            <a:off x="5896923" y="1745219"/>
+            <a:ext cx="5365630" cy="3074163"/>
+          </a:xfrm>
+          <a:prstGeom prst="rect">
+            <a:avLst/>
+          </a:prstGeom>
+          <a:noFill/>
+          <a:ln>
+            <a:noFill/>
+          </a:ln>
+        </p:spPr>
+      </p:pic>
+      <p:pic>
+        <p:nvPicPr>
+          <p:cNvPr id="48" name="Shape 89" descr="Top 10 Departments Receiving Most Requests.jpeg"/>
+          <p:cNvPicPr preferRelativeResize="0"/>
+          <p:nvPr/>
+        </p:nvPicPr>
+        <p:blipFill>
+          <a:blip r:embed="rId4">
+            <a:alphaModFix/>
+          </a:blip>
+          <a:stretch>
+            <a:fillRect/>
+          </a:stretch>
+        </p:blipFill>
+        <p:spPr>
+          <a:xfrm>
+            <a:off x="595312" y="1745219"/>
+            <a:ext cx="4890257" cy="3104724"/>
+          </a:xfrm>
+          <a:prstGeom prst="rect">
+            <a:avLst/>
+          </a:prstGeom>
+          <a:noFill/>
+          <a:ln>
+            <a:noFill/>
+          </a:ln>
+        </p:spPr>
+      </p:pic>
+      <p:sp>
+        <p:nvSpPr>
+          <p:cNvPr id="49" name="Shape 90"/>
+          <p:cNvSpPr/>
+          <p:nvPr/>
+        </p:nvSpPr>
+        <p:spPr>
+          <a:xfrm>
+            <a:off x="807288" y="2043009"/>
+            <a:ext cx="4526376" cy="199438"/>
+          </a:xfrm>
+          <a:prstGeom prst="rect">
+            <a:avLst/>
+          </a:prstGeom>
+          <a:noFill/>
+          <a:ln w="25400" cap="flat" cmpd="sng">
+            <a:solidFill>
+              <a:srgbClr val="FF0000"/>
+            </a:solidFill>
+            <a:prstDash val="solid"/>
+            <a:round/>
+            <a:headEnd type="none" w="med" len="med"/>
+            <a:tailEnd type="none" w="med" len="med"/>
+          </a:ln>
+        </p:spPr>
+        <p:txBody>
+          <a:bodyPr lIns="91425" tIns="45700" rIns="91425" bIns="45700" anchor="ctr" anchorCtr="0">
+            <a:noAutofit/>
+          </a:bodyPr>
+          <a:lstStyle/>
+          <a:p>
+            <a:pPr marL="0" marR="0" lvl="0" indent="0" algn="ctr" rtl="0">
+              <a:lnSpc>
+                <a:spcPct val="100000"/>
+              </a:lnSpc>
+              <a:spcBef>
+                <a:spcPts val="0"/>
+              </a:spcBef>
+              <a:spcAft>
+                <a:spcPts val="0"/>
+              </a:spcAft>
+              <a:buClr>
+                <a:srgbClr val="000000"/>
+              </a:buClr>
+              <a:buFont typeface="Arial"/>
+              <a:buNone/>
+            </a:pPr>
+            <a:endParaRPr sz="1400" b="0" i="0" u="none" strike="noStrike" cap="none">
+              <a:solidFill>
+                <a:schemeClr val="lt1"/>
+              </a:solidFill>
+              <a:latin typeface="Arial"/>
+              <a:ea typeface="Arial"/>
+              <a:cs typeface="Arial"/>
+              <a:sym typeface="Arial"/>
+            </a:endParaRPr>
+          </a:p>
+        </p:txBody>
+      </p:sp>
+      <p:sp>
+        <p:nvSpPr>
+          <p:cNvPr id="50" name="Shape 91"/>
+          <p:cNvSpPr/>
+          <p:nvPr/>
+        </p:nvSpPr>
+        <p:spPr>
+          <a:xfrm>
+            <a:off x="793000" y="2287673"/>
+            <a:ext cx="4526376" cy="199438"/>
+          </a:xfrm>
+          <a:prstGeom prst="rect">
+            <a:avLst/>
+          </a:prstGeom>
+          <a:noFill/>
+          <a:ln w="25400" cap="flat" cmpd="sng">
+            <a:solidFill>
+              <a:srgbClr val="FFC000"/>
+            </a:solidFill>
+            <a:prstDash val="solid"/>
+            <a:round/>
+            <a:headEnd type="none" w="med" len="med"/>
+            <a:tailEnd type="none" w="med" len="med"/>
+          </a:ln>
+        </p:spPr>
+        <p:txBody>
+          <a:bodyPr lIns="91425" tIns="45700" rIns="91425" bIns="45700" anchor="ctr" anchorCtr="0">
+            <a:noAutofit/>
+          </a:bodyPr>
+          <a:lstStyle/>
+          <a:p>
+            <a:pPr marL="0" marR="0" lvl="0" indent="0" algn="ctr" rtl="0">
+              <a:lnSpc>
+                <a:spcPct val="100000"/>
+              </a:lnSpc>
+              <a:spcBef>
+                <a:spcPts val="0"/>
+              </a:spcBef>
+              <a:spcAft>
+                <a:spcPts val="0"/>
+              </a:spcAft>
+              <a:buClr>
+                <a:srgbClr val="000000"/>
+              </a:buClr>
+              <a:buFont typeface="Arial"/>
+              <a:buNone/>
+            </a:pPr>
+            <a:endParaRPr sz="1400" b="0" i="0" u="none" strike="noStrike" cap="none">
+              <a:solidFill>
+                <a:schemeClr val="lt1"/>
+              </a:solidFill>
+              <a:latin typeface="Arial"/>
+              <a:ea typeface="Arial"/>
+              <a:cs typeface="Arial"/>
+              <a:sym typeface="Arial"/>
+            </a:endParaRPr>
+          </a:p>
+        </p:txBody>
+      </p:sp>
+      <p:sp>
+        <p:nvSpPr>
+          <p:cNvPr id="51" name="Shape 92"/>
+          <p:cNvSpPr/>
+          <p:nvPr/>
+        </p:nvSpPr>
+        <p:spPr>
+          <a:xfrm>
+            <a:off x="6299347" y="3598772"/>
+            <a:ext cx="4574367" cy="195184"/>
+          </a:xfrm>
+          <a:prstGeom prst="rect">
+            <a:avLst/>
+          </a:prstGeom>
+          <a:noFill/>
+          <a:ln w="25400" cap="flat" cmpd="sng">
+            <a:solidFill>
+              <a:srgbClr val="FF0000"/>
+            </a:solidFill>
+            <a:prstDash val="solid"/>
+            <a:round/>
+            <a:headEnd type="none" w="med" len="med"/>
+            <a:tailEnd type="none" w="med" len="med"/>
+          </a:ln>
+        </p:spPr>
+        <p:txBody>
+          <a:bodyPr lIns="91425" tIns="45700" rIns="91425" bIns="45700" anchor="ctr" anchorCtr="0">
+            <a:noAutofit/>
+          </a:bodyPr>
+          <a:lstStyle/>
+          <a:p>
+            <a:pPr marL="0" marR="0" lvl="0" indent="0" algn="ctr" rtl="0">
+              <a:lnSpc>
+                <a:spcPct val="100000"/>
+              </a:lnSpc>
+              <a:spcBef>
+                <a:spcPts val="0"/>
+              </a:spcBef>
+              <a:spcAft>
+                <a:spcPts val="0"/>
+              </a:spcAft>
+              <a:buClr>
+                <a:srgbClr val="000000"/>
+              </a:buClr>
+              <a:buFont typeface="Arial"/>
+              <a:buNone/>
+            </a:pPr>
+            <a:endParaRPr sz="1400" b="0" i="0" u="none" strike="noStrike" cap="none">
+              <a:solidFill>
+                <a:schemeClr val="lt1"/>
+              </a:solidFill>
+              <a:latin typeface="Arial"/>
+              <a:ea typeface="Arial"/>
+              <a:cs typeface="Arial"/>
+              <a:sym typeface="Arial"/>
+            </a:endParaRPr>
+          </a:p>
+        </p:txBody>
+      </p:sp>
+      <p:sp>
+        <p:nvSpPr>
+          <p:cNvPr id="52" name="Shape 93"/>
+          <p:cNvSpPr/>
+          <p:nvPr/>
+        </p:nvSpPr>
+        <p:spPr>
+          <a:xfrm>
+            <a:off x="6299349" y="2730048"/>
+            <a:ext cx="4574367" cy="175600"/>
+          </a:xfrm>
+          <a:prstGeom prst="rect">
+            <a:avLst/>
+          </a:prstGeom>
+          <a:noFill/>
+          <a:ln w="25400" cap="flat" cmpd="sng">
+            <a:solidFill>
+              <a:srgbClr val="FFC000"/>
+            </a:solidFill>
+            <a:prstDash val="solid"/>
+            <a:round/>
+            <a:headEnd type="none" w="med" len="med"/>
+            <a:tailEnd type="none" w="med" len="med"/>
+          </a:ln>
+        </p:spPr>
+        <p:txBody>
+          <a:bodyPr lIns="91425" tIns="45700" rIns="91425" bIns="45700" anchor="ctr" anchorCtr="0">
+            <a:noAutofit/>
+          </a:bodyPr>
+          <a:lstStyle/>
+          <a:p>
+            <a:pPr marL="0" marR="0" lvl="0" indent="0" algn="ctr" rtl="0">
+              <a:lnSpc>
+                <a:spcPct val="100000"/>
+              </a:lnSpc>
+              <a:spcBef>
+                <a:spcPts val="0"/>
+              </a:spcBef>
+              <a:spcAft>
+                <a:spcPts val="0"/>
+              </a:spcAft>
+              <a:buClr>
+                <a:srgbClr val="000000"/>
+              </a:buClr>
+              <a:buFont typeface="Arial"/>
+              <a:buNone/>
+            </a:pPr>
+            <a:endParaRPr sz="1400" b="0" i="0" u="none" strike="noStrike" cap="none">
+              <a:solidFill>
+                <a:schemeClr val="lt1"/>
+              </a:solidFill>
+              <a:latin typeface="Arial"/>
+              <a:ea typeface="Arial"/>
+              <a:cs typeface="Arial"/>
+              <a:sym typeface="Arial"/>
+            </a:endParaRPr>
+          </a:p>
+        </p:txBody>
+      </p:sp>
+      <p:sp>
+        <p:nvSpPr>
+          <p:cNvPr id="53" name="Shape 94"/>
+          <p:cNvSpPr/>
+          <p:nvPr/>
+        </p:nvSpPr>
+        <p:spPr>
+          <a:xfrm>
+            <a:off x="807288" y="2524094"/>
+            <a:ext cx="4526376" cy="199438"/>
+          </a:xfrm>
+          <a:prstGeom prst="rect">
+            <a:avLst/>
+          </a:prstGeom>
+          <a:noFill/>
+          <a:ln w="25400" cap="flat" cmpd="sng">
+            <a:solidFill>
+              <a:srgbClr val="C27BA0"/>
+            </a:solidFill>
+            <a:prstDash val="solid"/>
+            <a:round/>
+            <a:headEnd type="none" w="med" len="med"/>
+            <a:tailEnd type="none" w="med" len="med"/>
+          </a:ln>
+        </p:spPr>
+        <p:txBody>
+          <a:bodyPr lIns="91425" tIns="45700" rIns="91425" bIns="45700" anchor="ctr" anchorCtr="0">
+            <a:noAutofit/>
+          </a:bodyPr>
+          <a:lstStyle/>
+          <a:p>
+            <a:pPr marL="0" marR="0" lvl="0" indent="0" algn="ctr" rtl="0">
+              <a:lnSpc>
+                <a:spcPct val="100000"/>
+              </a:lnSpc>
+              <a:spcBef>
+                <a:spcPts val="0"/>
+              </a:spcBef>
+              <a:spcAft>
+                <a:spcPts val="0"/>
+              </a:spcAft>
+              <a:buClr>
+                <a:srgbClr val="000000"/>
+              </a:buClr>
+              <a:buFont typeface="Arial"/>
+              <a:buNone/>
+            </a:pPr>
+            <a:endParaRPr sz="1400" b="0" i="0" u="none" strike="noStrike" cap="none">
+              <a:solidFill>
+                <a:schemeClr val="lt1"/>
+              </a:solidFill>
+              <a:latin typeface="Arial"/>
+              <a:ea typeface="Arial"/>
+              <a:cs typeface="Arial"/>
+              <a:sym typeface="Arial"/>
+            </a:endParaRPr>
+          </a:p>
+        </p:txBody>
+      </p:sp>
+      <p:sp>
+        <p:nvSpPr>
+          <p:cNvPr id="54" name="Shape 95"/>
+          <p:cNvSpPr/>
+          <p:nvPr/>
+        </p:nvSpPr>
+        <p:spPr>
+          <a:xfrm>
+            <a:off x="6299347" y="2255521"/>
+            <a:ext cx="4574367" cy="195184"/>
+          </a:xfrm>
+          <a:prstGeom prst="rect">
+            <a:avLst/>
+          </a:prstGeom>
+          <a:noFill/>
+          <a:ln w="25400" cap="flat" cmpd="sng">
+            <a:solidFill>
+              <a:srgbClr val="C27BA0"/>
+            </a:solidFill>
+            <a:prstDash val="solid"/>
+            <a:round/>
+            <a:headEnd type="none" w="med" len="med"/>
+            <a:tailEnd type="none" w="med" len="med"/>
+          </a:ln>
+        </p:spPr>
+        <p:txBody>
+          <a:bodyPr lIns="91425" tIns="45700" rIns="91425" bIns="45700" anchor="ctr" anchorCtr="0">
+            <a:noAutofit/>
+          </a:bodyPr>
+          <a:lstStyle/>
+          <a:p>
+            <a:pPr marL="0" marR="0" lvl="0" indent="0" algn="ctr" rtl="0">
+              <a:lnSpc>
+                <a:spcPct val="100000"/>
+              </a:lnSpc>
+              <a:spcBef>
+                <a:spcPts val="0"/>
+              </a:spcBef>
+              <a:spcAft>
+                <a:spcPts val="0"/>
+              </a:spcAft>
+              <a:buClr>
+                <a:srgbClr val="000000"/>
+              </a:buClr>
+              <a:buFont typeface="Arial"/>
+              <a:buNone/>
+            </a:pPr>
+            <a:endParaRPr sz="1400" b="0" i="0" u="none" strike="noStrike" cap="none">
+              <a:solidFill>
+                <a:schemeClr val="lt1"/>
+              </a:solidFill>
+              <a:latin typeface="Arial"/>
+              <a:ea typeface="Arial"/>
+              <a:cs typeface="Arial"/>
+              <a:sym typeface="Arial"/>
+            </a:endParaRPr>
+          </a:p>
+        </p:txBody>
+      </p:sp>
+      <p:sp>
+        <p:nvSpPr>
+          <p:cNvPr id="55" name="Shape 96"/>
+          <p:cNvSpPr/>
+          <p:nvPr/>
+        </p:nvSpPr>
+        <p:spPr>
+          <a:xfrm>
+            <a:off x="807288" y="3162347"/>
+            <a:ext cx="4526376" cy="199438"/>
+          </a:xfrm>
+          <a:prstGeom prst="rect">
+            <a:avLst/>
+          </a:prstGeom>
+          <a:noFill/>
+          <a:ln w="25400" cap="flat" cmpd="sng">
+            <a:solidFill>
+              <a:srgbClr val="6AA84F"/>
+            </a:solidFill>
+            <a:prstDash val="solid"/>
+            <a:round/>
+            <a:headEnd type="none" w="med" len="med"/>
+            <a:tailEnd type="none" w="med" len="med"/>
+          </a:ln>
+        </p:spPr>
+        <p:txBody>
+          <a:bodyPr lIns="91425" tIns="45700" rIns="91425" bIns="45700" anchor="ctr" anchorCtr="0">
+            <a:noAutofit/>
+          </a:bodyPr>
+          <a:lstStyle/>
+          <a:p>
+            <a:pPr marL="0" marR="0" lvl="0" indent="0" algn="ctr" rtl="0">
+              <a:lnSpc>
+                <a:spcPct val="100000"/>
+              </a:lnSpc>
+              <a:spcBef>
+                <a:spcPts val="0"/>
+              </a:spcBef>
+              <a:spcAft>
+                <a:spcPts val="0"/>
+              </a:spcAft>
+              <a:buClr>
+                <a:srgbClr val="000000"/>
+              </a:buClr>
+              <a:buFont typeface="Arial"/>
+              <a:buNone/>
+            </a:pPr>
+            <a:endParaRPr sz="1400" b="0" i="0" u="none" strike="noStrike" cap="none">
+              <a:solidFill>
+                <a:schemeClr val="lt1"/>
+              </a:solidFill>
+              <a:latin typeface="Arial"/>
+              <a:ea typeface="Arial"/>
+              <a:cs typeface="Arial"/>
+              <a:sym typeface="Arial"/>
+            </a:endParaRPr>
+          </a:p>
+        </p:txBody>
+      </p:sp>
+      <p:sp>
+        <p:nvSpPr>
+          <p:cNvPr id="56" name="Shape 97"/>
+          <p:cNvSpPr/>
+          <p:nvPr/>
+        </p:nvSpPr>
+        <p:spPr>
+          <a:xfrm>
+            <a:off x="6299347" y="2492784"/>
+            <a:ext cx="4574367" cy="195184"/>
+          </a:xfrm>
+          <a:prstGeom prst="rect">
+            <a:avLst/>
+          </a:prstGeom>
+          <a:noFill/>
+          <a:ln w="25400" cap="flat" cmpd="sng">
+            <a:solidFill>
+              <a:srgbClr val="6AA84F"/>
+            </a:solidFill>
+            <a:prstDash val="solid"/>
+            <a:round/>
+            <a:headEnd type="none" w="med" len="med"/>
+            <a:tailEnd type="none" w="med" len="med"/>
+          </a:ln>
+        </p:spPr>
+        <p:txBody>
+          <a:bodyPr lIns="91425" tIns="45700" rIns="91425" bIns="45700" anchor="ctr" anchorCtr="0">
+            <a:noAutofit/>
+          </a:bodyPr>
+          <a:lstStyle/>
+          <a:p>
+            <a:pPr marL="0" marR="0" lvl="0" indent="0" algn="ctr" rtl="0">
+              <a:lnSpc>
+                <a:spcPct val="100000"/>
+              </a:lnSpc>
+              <a:spcBef>
+                <a:spcPts val="0"/>
+              </a:spcBef>
+              <a:spcAft>
+                <a:spcPts val="0"/>
+              </a:spcAft>
+              <a:buClr>
+                <a:srgbClr val="000000"/>
+              </a:buClr>
+              <a:buFont typeface="Arial"/>
+              <a:buNone/>
+            </a:pPr>
+            <a:endParaRPr sz="1400" b="0" i="0" u="none" strike="noStrike" cap="none">
+              <a:solidFill>
+                <a:schemeClr val="lt1"/>
+              </a:solidFill>
+              <a:latin typeface="Arial"/>
+              <a:ea typeface="Arial"/>
+              <a:cs typeface="Arial"/>
+              <a:sym typeface="Arial"/>
+            </a:endParaRPr>
+          </a:p>
+        </p:txBody>
+      </p:sp>
+    </p:spTree>
+    <p:extLst>
+      <p:ext uri="{BB962C8B-B14F-4D97-AF65-F5344CB8AC3E}">
+        <p14:creationId xmlns:p14="http://schemas.microsoft.com/office/powerpoint/2010/main" val="1062352814"/>
+      </p:ext>
+    </p:extLst>
+  </p:cSld>
+  <p:clrMapOvr>
+    <a:masterClrMapping/>
+  </p:clrMapOvr>
+  <p:timing>
+    <p:tnLst>
+      <p:par>
+        <p:cTn id="1" dur="indefinite" restart="never" nodeType="tmRoot"/>
+      </p:par>
+    </p:tnLst>
+  </p:timing>
+</p:sld>
+</file>
+
+<file path=ppt/slides/slide7.xml><?xml version="1.0" encoding="utf-8"?>
+<p:sld xmlns:a="http://schemas.openxmlformats.org/drawingml/2006/main" xmlns:r="http://schemas.openxmlformats.org/officeDocument/2006/relationships" xmlns:p="http://schemas.openxmlformats.org/presentationml/2006/main">
+  <p:cSld>
+    <p:spTree>
+      <p:nvGrpSpPr>
+        <p:cNvPr id="1" name=""/>
+        <p:cNvGrpSpPr/>
+        <p:nvPr/>
+      </p:nvGrpSpPr>
+      <p:grpSpPr>
+        <a:xfrm>
+          <a:off x="0" y="0"/>
+          <a:ext cx="0" cy="0"/>
+          <a:chOff x="0" y="0"/>
+          <a:chExt cx="0" cy="0"/>
+        </a:xfrm>
+      </p:grpSpPr>
+      <p:sp>
+        <p:nvSpPr>
+          <p:cNvPr id="3" name="Slide Number Placeholder 2"/>
+          <p:cNvSpPr>
+            <a:spLocks noGrp="1"/>
+          </p:cNvSpPr>
+          <p:nvPr>
+            <p:ph type="sldNum" sz="quarter" idx="12"/>
+          </p:nvPr>
+        </p:nvSpPr>
+        <p:spPr/>
+        <p:txBody>
+          <a:bodyPr/>
+          <a:lstStyle/>
+          <a:p>
+            <a:fld id="{B690234E-7369-2A40-8D63-E8E5C07741EF}" type="slidenum">
+              <a:rPr lang="en-US" smtClean="0"/>
+              <a:t>7</a:t>
+            </a:fld>
+            <a:endParaRPr lang="en-US"/>
+          </a:p>
+        </p:txBody>
+      </p:sp>
+      <p:grpSp>
+        <p:nvGrpSpPr>
+          <p:cNvPr id="28" name="Group 27"/>
+          <p:cNvGrpSpPr/>
+          <p:nvPr/>
+        </p:nvGrpSpPr>
+        <p:grpSpPr>
+          <a:xfrm>
+            <a:off x="-1" y="6501384"/>
+            <a:ext cx="12192001" cy="365760"/>
+            <a:chOff x="-1" y="6529386"/>
+            <a:chExt cx="12192001" cy="328615"/>
+          </a:xfrm>
+        </p:grpSpPr>
+        <p:sp>
+          <p:nvSpPr>
+            <p:cNvPr id="29" name="Rectangle 28"/>
+            <p:cNvSpPr/>
+            <p:nvPr/>
+          </p:nvSpPr>
+          <p:spPr>
+            <a:xfrm>
+              <a:off x="904784" y="6529388"/>
+              <a:ext cx="1920240" cy="328613"/>
+            </a:xfrm>
+            <a:prstGeom prst="rect">
+              <a:avLst/>
+            </a:prstGeom>
+            <a:solidFill>
+              <a:schemeClr val="accent1">
+                <a:lumMod val="50000"/>
+              </a:schemeClr>
+            </a:solidFill>
+            <a:ln>
+              <a:noFill/>
+            </a:ln>
+          </p:spPr>
+          <p:style>
+            <a:lnRef idx="2">
+              <a:schemeClr val="accent1">
+                <a:shade val="50000"/>
+              </a:schemeClr>
+            </a:lnRef>
+            <a:fillRef idx="1">
+              <a:schemeClr val="accent1"/>
+            </a:fillRef>
+            <a:effectRef idx="0">
+              <a:schemeClr val="accent1"/>
+            </a:effectRef>
+            <a:fontRef idx="minor">
+              <a:schemeClr val="lt1"/>
+            </a:fontRef>
+          </p:style>
+          <p:txBody>
+            <a:bodyPr rtlCol="0" anchor="ctr"/>
+            <a:lstStyle/>
+            <a:p>
+              <a:pPr algn="ctr"/>
+              <a:r>
+                <a:rPr lang="en-US" sz="1100" dirty="0">
+                  <a:solidFill>
+                    <a:schemeClr val="bg1"/>
+                  </a:solidFill>
+                </a:rPr>
+                <a:t>Objectives</a:t>
+              </a:r>
+            </a:p>
+          </p:txBody>
+        </p:sp>
+        <p:sp>
+          <p:nvSpPr>
+            <p:cNvPr id="30" name="Rectangle 29"/>
+            <p:cNvSpPr/>
+            <p:nvPr/>
+          </p:nvSpPr>
+          <p:spPr>
+            <a:xfrm>
+              <a:off x="2809614" y="6529388"/>
+              <a:ext cx="1920240" cy="328613"/>
+            </a:xfrm>
+            <a:prstGeom prst="rect">
+              <a:avLst/>
+            </a:prstGeom>
+            <a:solidFill>
+              <a:schemeClr val="accent1">
+                <a:lumMod val="50000"/>
+              </a:schemeClr>
+            </a:solidFill>
+            <a:ln>
+              <a:noFill/>
+            </a:ln>
+          </p:spPr>
+          <p:style>
+            <a:lnRef idx="2">
+              <a:schemeClr val="accent1">
+                <a:shade val="50000"/>
+              </a:schemeClr>
+            </a:lnRef>
+            <a:fillRef idx="1">
+              <a:schemeClr val="accent1"/>
+            </a:fillRef>
+            <a:effectRef idx="0">
+              <a:schemeClr val="accent1"/>
+            </a:effectRef>
+            <a:fontRef idx="minor">
+              <a:schemeClr val="lt1"/>
+            </a:fontRef>
+          </p:style>
+          <p:txBody>
+            <a:bodyPr rtlCol="0" anchor="ctr"/>
+            <a:lstStyle/>
+            <a:p>
+              <a:pPr algn="ctr"/>
+              <a:r>
+                <a:rPr lang="en-US" sz="1100" dirty="0">
+                  <a:solidFill>
+                    <a:schemeClr val="bg1"/>
+                  </a:solidFill>
+                </a:rPr>
+                <a:t>Introductions</a:t>
+              </a:r>
+            </a:p>
+          </p:txBody>
+        </p:sp>
+        <p:sp>
+          <p:nvSpPr>
+            <p:cNvPr id="31" name="Rectangle 30"/>
+            <p:cNvSpPr/>
+            <p:nvPr/>
+          </p:nvSpPr>
+          <p:spPr>
+            <a:xfrm>
+              <a:off x="4740127" y="6529388"/>
+              <a:ext cx="1920240" cy="328613"/>
+            </a:xfrm>
+            <a:prstGeom prst="rect">
+              <a:avLst/>
+            </a:prstGeom>
+            <a:solidFill>
+              <a:schemeClr val="bg1"/>
+            </a:solidFill>
+            <a:ln>
+              <a:noFill/>
+            </a:ln>
+          </p:spPr>
+          <p:style>
+            <a:lnRef idx="2">
+              <a:schemeClr val="accent1">
+                <a:shade val="50000"/>
+              </a:schemeClr>
+            </a:lnRef>
+            <a:fillRef idx="1">
+              <a:schemeClr val="accent1"/>
+            </a:fillRef>
+            <a:effectRef idx="0">
+              <a:schemeClr val="accent1"/>
+            </a:effectRef>
+            <a:fontRef idx="minor">
+              <a:schemeClr val="lt1"/>
+            </a:fontRef>
+          </p:style>
+          <p:txBody>
+            <a:bodyPr rtlCol="0" anchor="ctr"/>
+            <a:lstStyle/>
+            <a:p>
+              <a:pPr algn="ctr"/>
+              <a:r>
+                <a:rPr lang="en-US" sz="1100" dirty="0">
+                  <a:solidFill>
+                    <a:srgbClr val="002060"/>
+                  </a:solidFill>
+                </a:rPr>
+                <a:t>Dataset 2011-2015</a:t>
+              </a:r>
+            </a:p>
+          </p:txBody>
+        </p:sp>
+        <p:sp>
+          <p:nvSpPr>
+            <p:cNvPr id="32" name="Rectangle 31"/>
+            <p:cNvSpPr/>
+            <p:nvPr/>
+          </p:nvSpPr>
+          <p:spPr>
+            <a:xfrm>
+              <a:off x="6665503" y="6529388"/>
+              <a:ext cx="1926246" cy="328613"/>
+            </a:xfrm>
+            <a:prstGeom prst="rect">
+              <a:avLst/>
+            </a:prstGeom>
+            <a:solidFill>
+              <a:schemeClr val="accent1">
+                <a:lumMod val="50000"/>
+              </a:schemeClr>
+            </a:solidFill>
+            <a:ln>
+              <a:noFill/>
+            </a:ln>
+          </p:spPr>
+          <p:style>
+            <a:lnRef idx="2">
+              <a:schemeClr val="accent1">
+                <a:shade val="50000"/>
+              </a:schemeClr>
+            </a:lnRef>
+            <a:fillRef idx="1">
+              <a:schemeClr val="accent1"/>
+            </a:fillRef>
+            <a:effectRef idx="0">
+              <a:schemeClr val="accent1"/>
+            </a:effectRef>
+            <a:fontRef idx="minor">
+              <a:schemeClr val="lt1"/>
+            </a:fontRef>
+          </p:style>
+          <p:txBody>
+            <a:bodyPr rtlCol="0" anchor="ctr"/>
+            <a:lstStyle/>
+            <a:p>
+              <a:pPr lvl="0" algn="ctr"/>
+              <a:r>
+                <a:rPr lang="en-US" sz="1100" dirty="0" smtClean="0">
+                  <a:solidFill>
+                    <a:schemeClr val="bg1"/>
+                  </a:solidFill>
+                </a:rPr>
+                <a:t>Dataset 2015-2016</a:t>
+              </a:r>
+              <a:endParaRPr lang="en-US" sz="1100" dirty="0">
+                <a:solidFill>
+                  <a:schemeClr val="bg1"/>
+                </a:solidFill>
+              </a:endParaRPr>
+            </a:p>
+          </p:txBody>
+        </p:sp>
+        <p:cxnSp>
+          <p:nvCxnSpPr>
+            <p:cNvPr id="33" name="Straight Connector 32"/>
+            <p:cNvCxnSpPr/>
+            <p:nvPr/>
+          </p:nvCxnSpPr>
+          <p:spPr>
+            <a:xfrm>
+              <a:off x="894510" y="6529387"/>
+              <a:ext cx="0" cy="328613"/>
+            </a:xfrm>
+            <a:prstGeom prst="line">
+              <a:avLst/>
+            </a:prstGeom>
+            <a:ln w="12700">
+              <a:solidFill>
+                <a:schemeClr val="tx1"/>
+              </a:solidFill>
+            </a:ln>
+          </p:spPr>
+          <p:style>
+            <a:lnRef idx="1">
+              <a:schemeClr val="accent1"/>
+            </a:lnRef>
+            <a:fillRef idx="0">
+              <a:schemeClr val="accent1"/>
+            </a:fillRef>
+            <a:effectRef idx="0">
+              <a:schemeClr val="accent1"/>
+            </a:effectRef>
+            <a:fontRef idx="minor">
+              <a:schemeClr val="tx1"/>
+            </a:fontRef>
+          </p:style>
+        </p:cxnSp>
+        <p:cxnSp>
+          <p:nvCxnSpPr>
+            <p:cNvPr id="34" name="Straight Connector 33"/>
+            <p:cNvCxnSpPr/>
+            <p:nvPr/>
+          </p:nvCxnSpPr>
+          <p:spPr>
+            <a:xfrm>
+              <a:off x="8585743" y="6529387"/>
+              <a:ext cx="0" cy="328613"/>
+            </a:xfrm>
+            <a:prstGeom prst="line">
+              <a:avLst/>
+            </a:prstGeom>
+            <a:ln w="12700">
+              <a:solidFill>
+                <a:schemeClr val="tx1"/>
+              </a:solidFill>
+            </a:ln>
+          </p:spPr>
+          <p:style>
+            <a:lnRef idx="1">
+              <a:schemeClr val="accent1"/>
+            </a:lnRef>
+            <a:fillRef idx="0">
+              <a:schemeClr val="accent1"/>
+            </a:fillRef>
+            <a:effectRef idx="0">
+              <a:schemeClr val="accent1"/>
+            </a:effectRef>
+            <a:fontRef idx="minor">
+              <a:schemeClr val="tx1"/>
+            </a:fontRef>
+          </p:style>
+        </p:cxnSp>
+        <p:cxnSp>
+          <p:nvCxnSpPr>
+            <p:cNvPr id="35" name="Straight Connector 34"/>
+            <p:cNvCxnSpPr/>
+            <p:nvPr/>
+          </p:nvCxnSpPr>
+          <p:spPr>
+            <a:xfrm>
+              <a:off x="2809828" y="6529387"/>
+              <a:ext cx="0" cy="328613"/>
+            </a:xfrm>
+            <a:prstGeom prst="line">
+              <a:avLst/>
+            </a:prstGeom>
+            <a:ln w="12700">
+              <a:solidFill>
+                <a:schemeClr val="tx1"/>
+              </a:solidFill>
+            </a:ln>
+          </p:spPr>
+          <p:style>
+            <a:lnRef idx="1">
+              <a:schemeClr val="accent1"/>
+            </a:lnRef>
+            <a:fillRef idx="0">
+              <a:schemeClr val="accent1"/>
+            </a:fillRef>
+            <a:effectRef idx="0">
+              <a:schemeClr val="accent1"/>
+            </a:effectRef>
+            <a:fontRef idx="minor">
+              <a:schemeClr val="tx1"/>
+            </a:fontRef>
+          </p:style>
+        </p:cxnSp>
+        <p:cxnSp>
+          <p:nvCxnSpPr>
+            <p:cNvPr id="36" name="Straight Connector 35"/>
+            <p:cNvCxnSpPr/>
+            <p:nvPr/>
+          </p:nvCxnSpPr>
+          <p:spPr>
+            <a:xfrm>
+              <a:off x="4729854" y="6529387"/>
+              <a:ext cx="0" cy="328613"/>
+            </a:xfrm>
+            <a:prstGeom prst="line">
+              <a:avLst/>
+            </a:prstGeom>
+            <a:ln w="12700">
+              <a:solidFill>
+                <a:schemeClr val="tx1"/>
+              </a:solidFill>
+            </a:ln>
+          </p:spPr>
+          <p:style>
+            <a:lnRef idx="1">
+              <a:schemeClr val="accent1"/>
+            </a:lnRef>
+            <a:fillRef idx="0">
+              <a:schemeClr val="accent1"/>
+            </a:fillRef>
+            <a:effectRef idx="0">
+              <a:schemeClr val="accent1"/>
+            </a:effectRef>
+            <a:fontRef idx="minor">
+              <a:schemeClr val="tx1"/>
+            </a:fontRef>
+          </p:style>
+        </p:cxnSp>
+        <p:cxnSp>
+          <p:nvCxnSpPr>
+            <p:cNvPr id="37" name="Straight Connector 36"/>
+            <p:cNvCxnSpPr/>
+            <p:nvPr/>
+          </p:nvCxnSpPr>
+          <p:spPr>
+            <a:xfrm>
+              <a:off x="6664562" y="6529387"/>
+              <a:ext cx="0" cy="328613"/>
+            </a:xfrm>
+            <a:prstGeom prst="line">
+              <a:avLst/>
+            </a:prstGeom>
+            <a:ln w="12700">
+              <a:solidFill>
+                <a:schemeClr val="tx1"/>
+              </a:solidFill>
+            </a:ln>
+          </p:spPr>
+          <p:style>
+            <a:lnRef idx="1">
+              <a:schemeClr val="accent1"/>
+            </a:lnRef>
+            <a:fillRef idx="0">
+              <a:schemeClr val="accent1"/>
+            </a:fillRef>
+            <a:effectRef idx="0">
+              <a:schemeClr val="accent1"/>
+            </a:effectRef>
+            <a:fontRef idx="minor">
+              <a:schemeClr val="tx1"/>
+            </a:fontRef>
+          </p:style>
+        </p:cxnSp>
+        <p:sp>
+          <p:nvSpPr>
+            <p:cNvPr id="38" name="Rectangle 37"/>
+            <p:cNvSpPr/>
+            <p:nvPr/>
+          </p:nvSpPr>
+          <p:spPr>
+            <a:xfrm>
+              <a:off x="8579738" y="6529388"/>
+              <a:ext cx="1920240" cy="328613"/>
+            </a:xfrm>
+            <a:prstGeom prst="rect">
+              <a:avLst/>
+            </a:prstGeom>
+            <a:solidFill>
+              <a:schemeClr val="accent1">
+                <a:lumMod val="50000"/>
+              </a:schemeClr>
+            </a:solidFill>
+            <a:ln>
+              <a:noFill/>
+            </a:ln>
+          </p:spPr>
+          <p:style>
+            <a:lnRef idx="2">
+              <a:schemeClr val="accent1">
+                <a:shade val="50000"/>
+              </a:schemeClr>
+            </a:lnRef>
+            <a:fillRef idx="1">
+              <a:schemeClr val="accent1"/>
+            </a:fillRef>
+            <a:effectRef idx="0">
+              <a:schemeClr val="accent1"/>
+            </a:effectRef>
+            <a:fontRef idx="minor">
+              <a:schemeClr val="lt1"/>
+            </a:fontRef>
+          </p:style>
+          <p:txBody>
+            <a:bodyPr rtlCol="0" anchor="ctr"/>
+            <a:lstStyle/>
+            <a:p>
+              <a:pPr lvl="0" algn="ctr"/>
+              <a:r>
+                <a:rPr lang="en-US" sz="1100" dirty="0" smtClean="0">
+                  <a:solidFill>
+                    <a:schemeClr val="bg1"/>
+                  </a:solidFill>
+                </a:rPr>
+                <a:t>Recommendations</a:t>
+              </a:r>
+              <a:endParaRPr lang="en-US" sz="1100" dirty="0">
+                <a:solidFill>
+                  <a:schemeClr val="bg1"/>
+                </a:solidFill>
+              </a:endParaRPr>
+            </a:p>
+          </p:txBody>
+        </p:sp>
+        <p:sp>
+          <p:nvSpPr>
+            <p:cNvPr id="39" name="Rectangle 38"/>
+            <p:cNvSpPr/>
+            <p:nvPr/>
+          </p:nvSpPr>
+          <p:spPr>
+            <a:xfrm>
+              <a:off x="10500919" y="6529388"/>
+              <a:ext cx="1691081" cy="328613"/>
+            </a:xfrm>
+            <a:prstGeom prst="rect">
+              <a:avLst/>
+            </a:prstGeom>
+            <a:solidFill>
+              <a:schemeClr val="accent1">
+                <a:lumMod val="50000"/>
+              </a:schemeClr>
+            </a:solidFill>
+            <a:ln>
+              <a:noFill/>
+            </a:ln>
+          </p:spPr>
+          <p:style>
+            <a:lnRef idx="2">
+              <a:schemeClr val="accent1">
+                <a:shade val="50000"/>
+              </a:schemeClr>
+            </a:lnRef>
+            <a:fillRef idx="1">
+              <a:schemeClr val="accent1"/>
+            </a:fillRef>
+            <a:effectRef idx="0">
+              <a:schemeClr val="accent1"/>
+            </a:effectRef>
+            <a:fontRef idx="minor">
+              <a:schemeClr val="lt1"/>
+            </a:fontRef>
+          </p:style>
+          <p:txBody>
+            <a:bodyPr rtlCol="0" anchor="ctr"/>
+            <a:lstStyle/>
+            <a:p>
+              <a:pPr lvl="0" algn="ctr"/>
+              <a:r>
+                <a:rPr lang="en-US" sz="1100" dirty="0" smtClean="0">
+                  <a:solidFill>
+                    <a:schemeClr val="bg1"/>
+                  </a:solidFill>
+                </a:rPr>
+                <a:t>Next steps</a:t>
+              </a:r>
+              <a:endParaRPr lang="en-US" sz="1100" dirty="0">
+                <a:solidFill>
+                  <a:schemeClr val="bg1"/>
+                </a:solidFill>
+              </a:endParaRPr>
+            </a:p>
+          </p:txBody>
+        </p:sp>
+        <p:cxnSp>
+          <p:nvCxnSpPr>
+            <p:cNvPr id="40" name="Straight Connector 39"/>
+            <p:cNvCxnSpPr/>
+            <p:nvPr/>
+          </p:nvCxnSpPr>
+          <p:spPr>
+            <a:xfrm>
+              <a:off x="12178267" y="6529387"/>
+              <a:ext cx="0" cy="328613"/>
+            </a:xfrm>
+            <a:prstGeom prst="line">
+              <a:avLst/>
+            </a:prstGeom>
+            <a:ln w="12700">
+              <a:solidFill>
+                <a:schemeClr val="tx1"/>
+              </a:solidFill>
+            </a:ln>
+          </p:spPr>
+          <p:style>
+            <a:lnRef idx="1">
+              <a:schemeClr val="accent1"/>
+            </a:lnRef>
+            <a:fillRef idx="0">
+              <a:schemeClr val="accent1"/>
+            </a:fillRef>
+            <a:effectRef idx="0">
+              <a:schemeClr val="accent1"/>
+            </a:effectRef>
+            <a:fontRef idx="minor">
+              <a:schemeClr val="tx1"/>
+            </a:fontRef>
+          </p:style>
+        </p:cxnSp>
+        <p:cxnSp>
+          <p:nvCxnSpPr>
+            <p:cNvPr id="41" name="Straight Connector 40"/>
+            <p:cNvCxnSpPr/>
+            <p:nvPr/>
+          </p:nvCxnSpPr>
+          <p:spPr>
+            <a:xfrm>
+              <a:off x="10499978" y="6529387"/>
+              <a:ext cx="0" cy="328613"/>
+            </a:xfrm>
+            <a:prstGeom prst="line">
+              <a:avLst/>
+            </a:prstGeom>
+            <a:ln w="12700">
+              <a:solidFill>
+                <a:schemeClr val="tx1"/>
+              </a:solidFill>
+            </a:ln>
+          </p:spPr>
+          <p:style>
+            <a:lnRef idx="1">
+              <a:schemeClr val="accent1"/>
+            </a:lnRef>
+            <a:fillRef idx="0">
+              <a:schemeClr val="accent1"/>
+            </a:fillRef>
+            <a:effectRef idx="0">
+              <a:schemeClr val="accent1"/>
+            </a:effectRef>
+            <a:fontRef idx="minor">
+              <a:schemeClr val="tx1"/>
+            </a:fontRef>
+          </p:style>
+        </p:cxnSp>
+        <p:cxnSp>
+          <p:nvCxnSpPr>
+            <p:cNvPr id="42" name="Straight Connector 41"/>
+            <p:cNvCxnSpPr/>
+            <p:nvPr/>
+          </p:nvCxnSpPr>
+          <p:spPr>
+            <a:xfrm>
+              <a:off x="8591749" y="6529387"/>
+              <a:ext cx="0" cy="328613"/>
+            </a:xfrm>
+            <a:prstGeom prst="line">
+              <a:avLst/>
+            </a:prstGeom>
+            <a:ln w="12700">
+              <a:solidFill>
+                <a:schemeClr val="tx1"/>
+              </a:solidFill>
+            </a:ln>
+          </p:spPr>
+          <p:style>
+            <a:lnRef idx="1">
+              <a:schemeClr val="accent1"/>
+            </a:lnRef>
+            <a:fillRef idx="0">
+              <a:schemeClr val="accent1"/>
+            </a:fillRef>
+            <a:effectRef idx="0">
+              <a:schemeClr val="accent1"/>
+            </a:effectRef>
+            <a:fontRef idx="minor">
+              <a:schemeClr val="tx1"/>
+            </a:fontRef>
+          </p:style>
+        </p:cxnSp>
+        <p:pic>
+          <p:nvPicPr>
+            <p:cNvPr id="43" name="Picture 42"/>
+            <p:cNvPicPr>
+              <a:picLocks noChangeAspect="1"/>
+            </p:cNvPicPr>
+            <p:nvPr/>
+          </p:nvPicPr>
+          <p:blipFill>
+            <a:blip r:embed="rId2">
+              <a:extLst>
+                <a:ext uri="{28A0092B-C50C-407E-A947-70E740481C1C}">
+                  <a14:useLocalDpi xmlns:a14="http://schemas.microsoft.com/office/drawing/2010/main" val="0"/>
+                </a:ext>
+              </a:extLst>
+            </a:blip>
+            <a:stretch>
+              <a:fillRect/>
+            </a:stretch>
+          </p:blipFill>
+          <p:spPr>
+            <a:xfrm>
+              <a:off x="-1" y="6529386"/>
+              <a:ext cx="898780" cy="328613"/>
+            </a:xfrm>
+            <a:prstGeom prst="rect">
+              <a:avLst/>
+            </a:prstGeom>
+          </p:spPr>
+        </p:pic>
+      </p:grpSp>
+      <p:sp>
+        <p:nvSpPr>
           <p:cNvPr id="44" name="Rectangle 43"/>
           <p:cNvSpPr/>
           <p:nvPr/>
@@ -18219,7 +20815,7 @@
 </p:sld>
 </file>
 
-<file path=ppt/slides/slide7.xml><?xml version="1.0" encoding="utf-8"?>
+<file path=ppt/slides/slide8.xml><?xml version="1.0" encoding="utf-8"?>
 <p:sld xmlns:a="http://schemas.openxmlformats.org/drawingml/2006/main" xmlns:r="http://schemas.openxmlformats.org/officeDocument/2006/relationships" xmlns:p="http://schemas.openxmlformats.org/presentationml/2006/main">
   <p:cSld>
     <p:spTree>
@@ -18253,7 +20849,7 @@
           <a:p>
             <a:fld id="{B690234E-7369-2A40-8D63-E8E5C07741EF}" type="slidenum">
               <a:rPr lang="en-US" smtClean="0"/>
-              <a:t>7</a:t>
+              <a:t>8</a:t>
             </a:fld>
             <a:endParaRPr lang="en-US"/>
           </a:p>
@@ -19014,7 +21610,7 @@
 </p:sld>
 </file>
 
-<file path=ppt/slides/slide8.xml><?xml version="1.0" encoding="utf-8"?>
+<file path=ppt/slides/slide9.xml><?xml version="1.0" encoding="utf-8"?>
 <p:sld xmlns:a="http://schemas.openxmlformats.org/drawingml/2006/main" xmlns:r="http://schemas.openxmlformats.org/officeDocument/2006/relationships" xmlns:p="http://schemas.openxmlformats.org/presentationml/2006/main">
   <p:cSld>
     <p:spTree>
@@ -19048,7 +21644,7 @@
           <a:p>
             <a:fld id="{B690234E-7369-2A40-8D63-E8E5C07741EF}" type="slidenum">
               <a:rPr lang="en-US" smtClean="0"/>
-              <a:t>8</a:t>
+              <a:t>9</a:t>
             </a:fld>
             <a:endParaRPr lang="en-US"/>
           </a:p>
@@ -20068,1121 +22664,6 @@
     <p:extLst>
       <p:ext uri="{BB962C8B-B14F-4D97-AF65-F5344CB8AC3E}">
         <p14:creationId xmlns:p14="http://schemas.microsoft.com/office/powerpoint/2010/main" val="484687847"/>
-      </p:ext>
-    </p:extLst>
-  </p:cSld>
-  <p:clrMapOvr>
-    <a:masterClrMapping/>
-  </p:clrMapOvr>
-  <p:timing>
-    <p:tnLst>
-      <p:par>
-        <p:cTn id="1" dur="indefinite" restart="never" nodeType="tmRoot"/>
-      </p:par>
-    </p:tnLst>
-  </p:timing>
-</p:sld>
-</file>
-
-<file path=ppt/slides/slide9.xml><?xml version="1.0" encoding="utf-8"?>
-<p:sld xmlns:a="http://schemas.openxmlformats.org/drawingml/2006/main" xmlns:r="http://schemas.openxmlformats.org/officeDocument/2006/relationships" xmlns:p="http://schemas.openxmlformats.org/presentationml/2006/main">
-  <p:cSld>
-    <p:spTree>
-      <p:nvGrpSpPr>
-        <p:cNvPr id="1" name=""/>
-        <p:cNvGrpSpPr/>
-        <p:nvPr/>
-      </p:nvGrpSpPr>
-      <p:grpSpPr>
-        <a:xfrm>
-          <a:off x="0" y="0"/>
-          <a:ext cx="0" cy="0"/>
-          <a:chOff x="0" y="0"/>
-          <a:chExt cx="0" cy="0"/>
-        </a:xfrm>
-      </p:grpSpPr>
-      <p:sp>
-        <p:nvSpPr>
-          <p:cNvPr id="3" name="Slide Number Placeholder 2"/>
-          <p:cNvSpPr>
-            <a:spLocks noGrp="1"/>
-          </p:cNvSpPr>
-          <p:nvPr>
-            <p:ph type="sldNum" sz="quarter" idx="12"/>
-          </p:nvPr>
-        </p:nvSpPr>
-        <p:spPr/>
-        <p:txBody>
-          <a:bodyPr/>
-          <a:lstStyle/>
-          <a:p>
-            <a:fld id="{B690234E-7369-2A40-8D63-E8E5C07741EF}" type="slidenum">
-              <a:rPr lang="en-US" smtClean="0"/>
-              <a:t>9</a:t>
-            </a:fld>
-            <a:endParaRPr lang="en-US"/>
-          </a:p>
-        </p:txBody>
-      </p:sp>
-      <p:grpSp>
-        <p:nvGrpSpPr>
-          <p:cNvPr id="23" name="Group 22"/>
-          <p:cNvGrpSpPr/>
-          <p:nvPr/>
-        </p:nvGrpSpPr>
-        <p:grpSpPr>
-          <a:xfrm>
-            <a:off x="-1" y="6501384"/>
-            <a:ext cx="12192001" cy="365760"/>
-            <a:chOff x="-1" y="6529386"/>
-            <a:chExt cx="12192001" cy="328615"/>
-          </a:xfrm>
-        </p:grpSpPr>
-        <p:sp>
-          <p:nvSpPr>
-            <p:cNvPr id="25" name="Rectangle 24"/>
-            <p:cNvSpPr/>
-            <p:nvPr/>
-          </p:nvSpPr>
-          <p:spPr>
-            <a:xfrm>
-              <a:off x="904784" y="6529388"/>
-              <a:ext cx="1920240" cy="328613"/>
-            </a:xfrm>
-            <a:prstGeom prst="rect">
-              <a:avLst/>
-            </a:prstGeom>
-            <a:solidFill>
-              <a:schemeClr val="accent1">
-                <a:lumMod val="50000"/>
-              </a:schemeClr>
-            </a:solidFill>
-            <a:ln>
-              <a:noFill/>
-            </a:ln>
-          </p:spPr>
-          <p:style>
-            <a:lnRef idx="2">
-              <a:schemeClr val="accent1">
-                <a:shade val="50000"/>
-              </a:schemeClr>
-            </a:lnRef>
-            <a:fillRef idx="1">
-              <a:schemeClr val="accent1"/>
-            </a:fillRef>
-            <a:effectRef idx="0">
-              <a:schemeClr val="accent1"/>
-            </a:effectRef>
-            <a:fontRef idx="minor">
-              <a:schemeClr val="lt1"/>
-            </a:fontRef>
-          </p:style>
-          <p:txBody>
-            <a:bodyPr rtlCol="0" anchor="ctr"/>
-            <a:lstStyle/>
-            <a:p>
-              <a:pPr algn="ctr"/>
-              <a:r>
-                <a:rPr lang="en-US" sz="1100" dirty="0">
-                  <a:solidFill>
-                    <a:schemeClr val="bg1"/>
-                  </a:solidFill>
-                </a:rPr>
-                <a:t>Objectives</a:t>
-              </a:r>
-            </a:p>
-          </p:txBody>
-        </p:sp>
-        <p:sp>
-          <p:nvSpPr>
-            <p:cNvPr id="26" name="Rectangle 25"/>
-            <p:cNvSpPr/>
-            <p:nvPr/>
-          </p:nvSpPr>
-          <p:spPr>
-            <a:xfrm>
-              <a:off x="2809614" y="6529388"/>
-              <a:ext cx="1920240" cy="328613"/>
-            </a:xfrm>
-            <a:prstGeom prst="rect">
-              <a:avLst/>
-            </a:prstGeom>
-            <a:solidFill>
-              <a:schemeClr val="accent1">
-                <a:lumMod val="50000"/>
-              </a:schemeClr>
-            </a:solidFill>
-            <a:ln>
-              <a:noFill/>
-            </a:ln>
-          </p:spPr>
-          <p:style>
-            <a:lnRef idx="2">
-              <a:schemeClr val="accent1">
-                <a:shade val="50000"/>
-              </a:schemeClr>
-            </a:lnRef>
-            <a:fillRef idx="1">
-              <a:schemeClr val="accent1"/>
-            </a:fillRef>
-            <a:effectRef idx="0">
-              <a:schemeClr val="accent1"/>
-            </a:effectRef>
-            <a:fontRef idx="minor">
-              <a:schemeClr val="lt1"/>
-            </a:fontRef>
-          </p:style>
-          <p:txBody>
-            <a:bodyPr rtlCol="0" anchor="ctr"/>
-            <a:lstStyle/>
-            <a:p>
-              <a:pPr algn="ctr"/>
-              <a:r>
-                <a:rPr lang="en-US" sz="1100" dirty="0">
-                  <a:solidFill>
-                    <a:schemeClr val="bg1"/>
-                  </a:solidFill>
-                </a:rPr>
-                <a:t>Introductions</a:t>
-              </a:r>
-            </a:p>
-          </p:txBody>
-        </p:sp>
-        <p:sp>
-          <p:nvSpPr>
-            <p:cNvPr id="27" name="Rectangle 26"/>
-            <p:cNvSpPr/>
-            <p:nvPr/>
-          </p:nvSpPr>
-          <p:spPr>
-            <a:xfrm>
-              <a:off x="4740127" y="6529388"/>
-              <a:ext cx="1920240" cy="328613"/>
-            </a:xfrm>
-            <a:prstGeom prst="rect">
-              <a:avLst/>
-            </a:prstGeom>
-            <a:solidFill>
-              <a:schemeClr val="accent1">
-                <a:lumMod val="50000"/>
-              </a:schemeClr>
-            </a:solidFill>
-            <a:ln>
-              <a:noFill/>
-            </a:ln>
-          </p:spPr>
-          <p:style>
-            <a:lnRef idx="2">
-              <a:schemeClr val="accent1">
-                <a:shade val="50000"/>
-              </a:schemeClr>
-            </a:lnRef>
-            <a:fillRef idx="1">
-              <a:schemeClr val="accent1"/>
-            </a:fillRef>
-            <a:effectRef idx="0">
-              <a:schemeClr val="accent1"/>
-            </a:effectRef>
-            <a:fontRef idx="minor">
-              <a:schemeClr val="lt1"/>
-            </a:fontRef>
-          </p:style>
-          <p:txBody>
-            <a:bodyPr rtlCol="0" anchor="ctr"/>
-            <a:lstStyle/>
-            <a:p>
-              <a:pPr lvl="0" algn="ctr"/>
-              <a:r>
-                <a:rPr lang="en-US" sz="1100" dirty="0" smtClean="0">
-                  <a:solidFill>
-                    <a:schemeClr val="bg1"/>
-                  </a:solidFill>
-                </a:rPr>
-                <a:t>Dataset 2011-2015</a:t>
-              </a:r>
-              <a:endParaRPr lang="en-US" sz="1100" dirty="0">
-                <a:solidFill>
-                  <a:schemeClr val="bg1"/>
-                </a:solidFill>
-              </a:endParaRPr>
-            </a:p>
-          </p:txBody>
-        </p:sp>
-        <p:sp>
-          <p:nvSpPr>
-            <p:cNvPr id="28" name="Rectangle 27"/>
-            <p:cNvSpPr/>
-            <p:nvPr/>
-          </p:nvSpPr>
-          <p:spPr>
-            <a:xfrm>
-              <a:off x="6665503" y="6529388"/>
-              <a:ext cx="1926246" cy="328613"/>
-            </a:xfrm>
-            <a:prstGeom prst="rect">
-              <a:avLst/>
-            </a:prstGeom>
-            <a:solidFill>
-              <a:schemeClr val="bg1"/>
-            </a:solidFill>
-            <a:ln>
-              <a:noFill/>
-            </a:ln>
-          </p:spPr>
-          <p:style>
-            <a:lnRef idx="2">
-              <a:schemeClr val="accent1">
-                <a:shade val="50000"/>
-              </a:schemeClr>
-            </a:lnRef>
-            <a:fillRef idx="1">
-              <a:schemeClr val="accent1"/>
-            </a:fillRef>
-            <a:effectRef idx="0">
-              <a:schemeClr val="accent1"/>
-            </a:effectRef>
-            <a:fontRef idx="minor">
-              <a:schemeClr val="lt1"/>
-            </a:fontRef>
-          </p:style>
-          <p:txBody>
-            <a:bodyPr rtlCol="0" anchor="ctr"/>
-            <a:lstStyle/>
-            <a:p>
-              <a:pPr algn="ctr"/>
-              <a:r>
-                <a:rPr lang="en-US" sz="1100" dirty="0">
-                  <a:solidFill>
-                    <a:srgbClr val="002060"/>
-                  </a:solidFill>
-                </a:rPr>
-                <a:t>Dataset 2015-2016</a:t>
-              </a:r>
-            </a:p>
-          </p:txBody>
-        </p:sp>
-        <p:cxnSp>
-          <p:nvCxnSpPr>
-            <p:cNvPr id="29" name="Straight Connector 28"/>
-            <p:cNvCxnSpPr/>
-            <p:nvPr/>
-          </p:nvCxnSpPr>
-          <p:spPr>
-            <a:xfrm>
-              <a:off x="894510" y="6529387"/>
-              <a:ext cx="0" cy="328613"/>
-            </a:xfrm>
-            <a:prstGeom prst="line">
-              <a:avLst/>
-            </a:prstGeom>
-            <a:ln w="12700">
-              <a:solidFill>
-                <a:schemeClr val="tx1"/>
-              </a:solidFill>
-            </a:ln>
-          </p:spPr>
-          <p:style>
-            <a:lnRef idx="1">
-              <a:schemeClr val="accent1"/>
-            </a:lnRef>
-            <a:fillRef idx="0">
-              <a:schemeClr val="accent1"/>
-            </a:fillRef>
-            <a:effectRef idx="0">
-              <a:schemeClr val="accent1"/>
-            </a:effectRef>
-            <a:fontRef idx="minor">
-              <a:schemeClr val="tx1"/>
-            </a:fontRef>
-          </p:style>
-        </p:cxnSp>
-        <p:cxnSp>
-          <p:nvCxnSpPr>
-            <p:cNvPr id="30" name="Straight Connector 29"/>
-            <p:cNvCxnSpPr/>
-            <p:nvPr/>
-          </p:nvCxnSpPr>
-          <p:spPr>
-            <a:xfrm>
-              <a:off x="8585743" y="6529387"/>
-              <a:ext cx="0" cy="328613"/>
-            </a:xfrm>
-            <a:prstGeom prst="line">
-              <a:avLst/>
-            </a:prstGeom>
-            <a:ln w="12700">
-              <a:solidFill>
-                <a:schemeClr val="tx1"/>
-              </a:solidFill>
-            </a:ln>
-          </p:spPr>
-          <p:style>
-            <a:lnRef idx="1">
-              <a:schemeClr val="accent1"/>
-            </a:lnRef>
-            <a:fillRef idx="0">
-              <a:schemeClr val="accent1"/>
-            </a:fillRef>
-            <a:effectRef idx="0">
-              <a:schemeClr val="accent1"/>
-            </a:effectRef>
-            <a:fontRef idx="minor">
-              <a:schemeClr val="tx1"/>
-            </a:fontRef>
-          </p:style>
-        </p:cxnSp>
-        <p:cxnSp>
-          <p:nvCxnSpPr>
-            <p:cNvPr id="31" name="Straight Connector 30"/>
-            <p:cNvCxnSpPr/>
-            <p:nvPr/>
-          </p:nvCxnSpPr>
-          <p:spPr>
-            <a:xfrm>
-              <a:off x="2809828" y="6529387"/>
-              <a:ext cx="0" cy="328613"/>
-            </a:xfrm>
-            <a:prstGeom prst="line">
-              <a:avLst/>
-            </a:prstGeom>
-            <a:ln w="12700">
-              <a:solidFill>
-                <a:schemeClr val="tx1"/>
-              </a:solidFill>
-            </a:ln>
-          </p:spPr>
-          <p:style>
-            <a:lnRef idx="1">
-              <a:schemeClr val="accent1"/>
-            </a:lnRef>
-            <a:fillRef idx="0">
-              <a:schemeClr val="accent1"/>
-            </a:fillRef>
-            <a:effectRef idx="0">
-              <a:schemeClr val="accent1"/>
-            </a:effectRef>
-            <a:fontRef idx="minor">
-              <a:schemeClr val="tx1"/>
-            </a:fontRef>
-          </p:style>
-        </p:cxnSp>
-        <p:cxnSp>
-          <p:nvCxnSpPr>
-            <p:cNvPr id="32" name="Straight Connector 31"/>
-            <p:cNvCxnSpPr/>
-            <p:nvPr/>
-          </p:nvCxnSpPr>
-          <p:spPr>
-            <a:xfrm>
-              <a:off x="4729854" y="6529387"/>
-              <a:ext cx="0" cy="328613"/>
-            </a:xfrm>
-            <a:prstGeom prst="line">
-              <a:avLst/>
-            </a:prstGeom>
-            <a:ln w="12700">
-              <a:solidFill>
-                <a:schemeClr val="tx1"/>
-              </a:solidFill>
-            </a:ln>
-          </p:spPr>
-          <p:style>
-            <a:lnRef idx="1">
-              <a:schemeClr val="accent1"/>
-            </a:lnRef>
-            <a:fillRef idx="0">
-              <a:schemeClr val="accent1"/>
-            </a:fillRef>
-            <a:effectRef idx="0">
-              <a:schemeClr val="accent1"/>
-            </a:effectRef>
-            <a:fontRef idx="minor">
-              <a:schemeClr val="tx1"/>
-            </a:fontRef>
-          </p:style>
-        </p:cxnSp>
-        <p:cxnSp>
-          <p:nvCxnSpPr>
-            <p:cNvPr id="33" name="Straight Connector 32"/>
-            <p:cNvCxnSpPr/>
-            <p:nvPr/>
-          </p:nvCxnSpPr>
-          <p:spPr>
-            <a:xfrm>
-              <a:off x="6664562" y="6529387"/>
-              <a:ext cx="0" cy="328613"/>
-            </a:xfrm>
-            <a:prstGeom prst="line">
-              <a:avLst/>
-            </a:prstGeom>
-            <a:ln w="12700">
-              <a:solidFill>
-                <a:schemeClr val="tx1"/>
-              </a:solidFill>
-            </a:ln>
-          </p:spPr>
-          <p:style>
-            <a:lnRef idx="1">
-              <a:schemeClr val="accent1"/>
-            </a:lnRef>
-            <a:fillRef idx="0">
-              <a:schemeClr val="accent1"/>
-            </a:fillRef>
-            <a:effectRef idx="0">
-              <a:schemeClr val="accent1"/>
-            </a:effectRef>
-            <a:fontRef idx="minor">
-              <a:schemeClr val="tx1"/>
-            </a:fontRef>
-          </p:style>
-        </p:cxnSp>
-        <p:sp>
-          <p:nvSpPr>
-            <p:cNvPr id="34" name="Rectangle 33"/>
-            <p:cNvSpPr/>
-            <p:nvPr/>
-          </p:nvSpPr>
-          <p:spPr>
-            <a:xfrm>
-              <a:off x="8579738" y="6529388"/>
-              <a:ext cx="1920240" cy="328613"/>
-            </a:xfrm>
-            <a:prstGeom prst="rect">
-              <a:avLst/>
-            </a:prstGeom>
-            <a:solidFill>
-              <a:schemeClr val="accent1">
-                <a:lumMod val="50000"/>
-              </a:schemeClr>
-            </a:solidFill>
-            <a:ln>
-              <a:noFill/>
-            </a:ln>
-          </p:spPr>
-          <p:style>
-            <a:lnRef idx="2">
-              <a:schemeClr val="accent1">
-                <a:shade val="50000"/>
-              </a:schemeClr>
-            </a:lnRef>
-            <a:fillRef idx="1">
-              <a:schemeClr val="accent1"/>
-            </a:fillRef>
-            <a:effectRef idx="0">
-              <a:schemeClr val="accent1"/>
-            </a:effectRef>
-            <a:fontRef idx="minor">
-              <a:schemeClr val="lt1"/>
-            </a:fontRef>
-          </p:style>
-          <p:txBody>
-            <a:bodyPr rtlCol="0" anchor="ctr"/>
-            <a:lstStyle/>
-            <a:p>
-              <a:pPr lvl="0" algn="ctr"/>
-              <a:r>
-                <a:rPr lang="en-US" sz="1100" dirty="0" smtClean="0">
-                  <a:solidFill>
-                    <a:schemeClr val="bg1"/>
-                  </a:solidFill>
-                </a:rPr>
-                <a:t>Recommendations</a:t>
-              </a:r>
-              <a:endParaRPr lang="en-US" sz="1100" dirty="0">
-                <a:solidFill>
-                  <a:schemeClr val="bg1"/>
-                </a:solidFill>
-              </a:endParaRPr>
-            </a:p>
-          </p:txBody>
-        </p:sp>
-        <p:sp>
-          <p:nvSpPr>
-            <p:cNvPr id="35" name="Rectangle 34"/>
-            <p:cNvSpPr/>
-            <p:nvPr/>
-          </p:nvSpPr>
-          <p:spPr>
-            <a:xfrm>
-              <a:off x="10500919" y="6529388"/>
-              <a:ext cx="1691081" cy="328613"/>
-            </a:xfrm>
-            <a:prstGeom prst="rect">
-              <a:avLst/>
-            </a:prstGeom>
-            <a:solidFill>
-              <a:schemeClr val="accent1">
-                <a:lumMod val="50000"/>
-              </a:schemeClr>
-            </a:solidFill>
-            <a:ln>
-              <a:noFill/>
-            </a:ln>
-          </p:spPr>
-          <p:style>
-            <a:lnRef idx="2">
-              <a:schemeClr val="accent1">
-                <a:shade val="50000"/>
-              </a:schemeClr>
-            </a:lnRef>
-            <a:fillRef idx="1">
-              <a:schemeClr val="accent1"/>
-            </a:fillRef>
-            <a:effectRef idx="0">
-              <a:schemeClr val="accent1"/>
-            </a:effectRef>
-            <a:fontRef idx="minor">
-              <a:schemeClr val="lt1"/>
-            </a:fontRef>
-          </p:style>
-          <p:txBody>
-            <a:bodyPr rtlCol="0" anchor="ctr"/>
-            <a:lstStyle/>
-            <a:p>
-              <a:pPr lvl="0" algn="ctr"/>
-              <a:r>
-                <a:rPr lang="en-US" sz="1100" dirty="0" smtClean="0">
-                  <a:solidFill>
-                    <a:schemeClr val="bg1"/>
-                  </a:solidFill>
-                </a:rPr>
-                <a:t>Next steps</a:t>
-              </a:r>
-              <a:endParaRPr lang="en-US" sz="1100" dirty="0">
-                <a:solidFill>
-                  <a:schemeClr val="bg1"/>
-                </a:solidFill>
-              </a:endParaRPr>
-            </a:p>
-          </p:txBody>
-        </p:sp>
-        <p:cxnSp>
-          <p:nvCxnSpPr>
-            <p:cNvPr id="36" name="Straight Connector 35"/>
-            <p:cNvCxnSpPr/>
-            <p:nvPr/>
-          </p:nvCxnSpPr>
-          <p:spPr>
-            <a:xfrm>
-              <a:off x="12178267" y="6529387"/>
-              <a:ext cx="0" cy="328613"/>
-            </a:xfrm>
-            <a:prstGeom prst="line">
-              <a:avLst/>
-            </a:prstGeom>
-            <a:ln w="12700">
-              <a:solidFill>
-                <a:schemeClr val="tx1"/>
-              </a:solidFill>
-            </a:ln>
-          </p:spPr>
-          <p:style>
-            <a:lnRef idx="1">
-              <a:schemeClr val="accent1"/>
-            </a:lnRef>
-            <a:fillRef idx="0">
-              <a:schemeClr val="accent1"/>
-            </a:fillRef>
-            <a:effectRef idx="0">
-              <a:schemeClr val="accent1"/>
-            </a:effectRef>
-            <a:fontRef idx="minor">
-              <a:schemeClr val="tx1"/>
-            </a:fontRef>
-          </p:style>
-        </p:cxnSp>
-        <p:cxnSp>
-          <p:nvCxnSpPr>
-            <p:cNvPr id="37" name="Straight Connector 36"/>
-            <p:cNvCxnSpPr/>
-            <p:nvPr/>
-          </p:nvCxnSpPr>
-          <p:spPr>
-            <a:xfrm>
-              <a:off x="10499978" y="6529387"/>
-              <a:ext cx="0" cy="328613"/>
-            </a:xfrm>
-            <a:prstGeom prst="line">
-              <a:avLst/>
-            </a:prstGeom>
-            <a:ln w="12700">
-              <a:solidFill>
-                <a:schemeClr val="tx1"/>
-              </a:solidFill>
-            </a:ln>
-          </p:spPr>
-          <p:style>
-            <a:lnRef idx="1">
-              <a:schemeClr val="accent1"/>
-            </a:lnRef>
-            <a:fillRef idx="0">
-              <a:schemeClr val="accent1"/>
-            </a:fillRef>
-            <a:effectRef idx="0">
-              <a:schemeClr val="accent1"/>
-            </a:effectRef>
-            <a:fontRef idx="minor">
-              <a:schemeClr val="tx1"/>
-            </a:fontRef>
-          </p:style>
-        </p:cxnSp>
-        <p:cxnSp>
-          <p:nvCxnSpPr>
-            <p:cNvPr id="38" name="Straight Connector 37"/>
-            <p:cNvCxnSpPr/>
-            <p:nvPr/>
-          </p:nvCxnSpPr>
-          <p:spPr>
-            <a:xfrm>
-              <a:off x="8591749" y="6529387"/>
-              <a:ext cx="0" cy="328613"/>
-            </a:xfrm>
-            <a:prstGeom prst="line">
-              <a:avLst/>
-            </a:prstGeom>
-            <a:ln w="12700">
-              <a:solidFill>
-                <a:schemeClr val="tx1"/>
-              </a:solidFill>
-            </a:ln>
-          </p:spPr>
-          <p:style>
-            <a:lnRef idx="1">
-              <a:schemeClr val="accent1"/>
-            </a:lnRef>
-            <a:fillRef idx="0">
-              <a:schemeClr val="accent1"/>
-            </a:fillRef>
-            <a:effectRef idx="0">
-              <a:schemeClr val="accent1"/>
-            </a:effectRef>
-            <a:fontRef idx="minor">
-              <a:schemeClr val="tx1"/>
-            </a:fontRef>
-          </p:style>
-        </p:cxnSp>
-        <p:pic>
-          <p:nvPicPr>
-            <p:cNvPr id="39" name="Picture 38"/>
-            <p:cNvPicPr>
-              <a:picLocks noChangeAspect="1"/>
-            </p:cNvPicPr>
-            <p:nvPr/>
-          </p:nvPicPr>
-          <p:blipFill>
-            <a:blip r:embed="rId2">
-              <a:extLst>
-                <a:ext uri="{28A0092B-C50C-407E-A947-70E740481C1C}">
-                  <a14:useLocalDpi xmlns:a14="http://schemas.microsoft.com/office/drawing/2010/main" val="0"/>
-                </a:ext>
-              </a:extLst>
-            </a:blip>
-            <a:stretch>
-              <a:fillRect/>
-            </a:stretch>
-          </p:blipFill>
-          <p:spPr>
-            <a:xfrm>
-              <a:off x="-1" y="6529386"/>
-              <a:ext cx="898780" cy="328613"/>
-            </a:xfrm>
-            <a:prstGeom prst="rect">
-              <a:avLst/>
-            </a:prstGeom>
-            <a:solidFill>
-              <a:schemeClr val="bg1"/>
-            </a:solidFill>
-            <a:ln>
-              <a:noFill/>
-            </a:ln>
-          </p:spPr>
-        </p:pic>
-      </p:grpSp>
-      <p:sp>
-        <p:nvSpPr>
-          <p:cNvPr id="19" name="Rectangle 18"/>
-          <p:cNvSpPr/>
-          <p:nvPr/>
-        </p:nvSpPr>
-        <p:spPr>
-          <a:xfrm>
-            <a:off x="474154" y="947163"/>
-            <a:ext cx="8542846" cy="584775"/>
-          </a:xfrm>
-          <a:prstGeom prst="rect">
-            <a:avLst/>
-          </a:prstGeom>
-        </p:spPr>
-        <p:txBody>
-          <a:bodyPr wrap="square">
-            <a:spAutoFit/>
-          </a:bodyPr>
-          <a:lstStyle/>
-          <a:p>
-            <a:r>
-              <a:rPr lang="en" sz="3200" dirty="0" smtClean="0"/>
-              <a:t>311 </a:t>
-            </a:r>
-            <a:r>
-              <a:rPr lang="en" sz="3200" dirty="0"/>
-              <a:t>Request </a:t>
-            </a:r>
-            <a:r>
-              <a:rPr lang="en" sz="3200" dirty="0" smtClean="0"/>
-              <a:t>Type</a:t>
-            </a:r>
-            <a:r>
-              <a:rPr lang="en-US" sz="3200" dirty="0" smtClean="0"/>
-              <a:t> CHC vs. LA</a:t>
-            </a:r>
-            <a:endParaRPr lang="en-US" sz="3200" dirty="0"/>
-          </a:p>
-        </p:txBody>
-      </p:sp>
-      <p:sp>
-        <p:nvSpPr>
-          <p:cNvPr id="20" name="Rectangle 19"/>
-          <p:cNvSpPr/>
-          <p:nvPr/>
-        </p:nvSpPr>
-        <p:spPr>
-          <a:xfrm>
-            <a:off x="474154" y="1531938"/>
-            <a:ext cx="7790666" cy="584775"/>
-          </a:xfrm>
-          <a:prstGeom prst="rect">
-            <a:avLst/>
-          </a:prstGeom>
-        </p:spPr>
-        <p:txBody>
-          <a:bodyPr wrap="square">
-            <a:spAutoFit/>
-          </a:bodyPr>
-          <a:lstStyle/>
-          <a:p>
-            <a:r>
-              <a:rPr lang="en-US" sz="3200" dirty="0" smtClean="0">
-                <a:solidFill>
-                  <a:srgbClr val="0070C0"/>
-                </a:solidFill>
-              </a:rPr>
-              <a:t>Top 3 request types in Chicago </a:t>
-            </a:r>
-            <a:endParaRPr lang="en-US" sz="3200" dirty="0">
-              <a:solidFill>
-                <a:srgbClr val="0070C0"/>
-              </a:solidFill>
-            </a:endParaRPr>
-          </a:p>
-        </p:txBody>
-      </p:sp>
-      <p:sp>
-        <p:nvSpPr>
-          <p:cNvPr id="21" name="TextBox 20"/>
-          <p:cNvSpPr txBox="1"/>
-          <p:nvPr/>
-        </p:nvSpPr>
-        <p:spPr>
-          <a:xfrm>
-            <a:off x="517018" y="2216168"/>
-            <a:ext cx="4489892" cy="1200329"/>
-          </a:xfrm>
-          <a:prstGeom prst="rect">
-            <a:avLst/>
-          </a:prstGeom>
-          <a:noFill/>
-        </p:spPr>
-        <p:txBody>
-          <a:bodyPr wrap="square" rtlCol="0">
-            <a:spAutoFit/>
-          </a:bodyPr>
-          <a:lstStyle/>
-          <a:p>
-            <a:pPr marL="285750" indent="-285750">
-              <a:buFont typeface="Wingdings" charset="2"/>
-              <a:buChar char="ü"/>
-            </a:pPr>
-            <a:r>
-              <a:rPr lang="en-US" sz="2400" b="1" i="1" dirty="0" smtClean="0">
-                <a:solidFill>
-                  <a:srgbClr val="002776"/>
-                </a:solidFill>
-                <a:ea typeface="Arial" charset="0"/>
-                <a:cs typeface="Arial" charset="0"/>
-              </a:rPr>
-              <a:t>Graffiti-removal</a:t>
-            </a:r>
-          </a:p>
-          <a:p>
-            <a:pPr marL="285750" indent="-285750">
-              <a:buFont typeface="Wingdings" charset="2"/>
-              <a:buChar char="ü"/>
-            </a:pPr>
-            <a:r>
-              <a:rPr lang="en-US" sz="2400" b="1" i="1" dirty="0" smtClean="0">
-                <a:solidFill>
-                  <a:srgbClr val="002776"/>
-                </a:solidFill>
-                <a:ea typeface="Arial" charset="0"/>
-                <a:cs typeface="Arial" charset="0"/>
-              </a:rPr>
-              <a:t>Street-lights-all-out</a:t>
-            </a:r>
-          </a:p>
-          <a:p>
-            <a:pPr marL="285750" indent="-285750">
-              <a:buFont typeface="Wingdings" charset="2"/>
-              <a:buChar char="ü"/>
-            </a:pPr>
-            <a:r>
-              <a:rPr lang="en-US" sz="2400" b="1" i="1" dirty="0" smtClean="0">
-                <a:solidFill>
-                  <a:srgbClr val="002776"/>
-                </a:solidFill>
-                <a:ea typeface="Arial" charset="0"/>
-                <a:cs typeface="Arial" charset="0"/>
-              </a:rPr>
-              <a:t>Potholes</a:t>
-            </a:r>
-          </a:p>
-        </p:txBody>
-      </p:sp>
-      <p:sp>
-        <p:nvSpPr>
-          <p:cNvPr id="22" name="Content Placeholder 1"/>
-          <p:cNvSpPr>
-            <a:spLocks noGrp="1"/>
-          </p:cNvSpPr>
-          <p:nvPr>
-            <p:ph idx="1"/>
-          </p:nvPr>
-        </p:nvSpPr>
-        <p:spPr>
-          <a:xfrm>
-            <a:off x="474154" y="6100426"/>
-            <a:ext cx="6439307" cy="400957"/>
-          </a:xfrm>
-        </p:spPr>
-        <p:txBody>
-          <a:bodyPr/>
-          <a:lstStyle/>
-          <a:p>
-            <a:pPr marL="0" indent="0">
-              <a:buNone/>
-            </a:pPr>
-            <a:r>
-              <a:rPr lang="en-US" sz="1200" dirty="0" smtClean="0">
-                <a:solidFill>
-                  <a:srgbClr val="000000"/>
-                </a:solidFill>
-                <a:ea typeface="Calibri"/>
-                <a:cs typeface="Calibri"/>
-                <a:sym typeface="Calibri"/>
-              </a:rPr>
-              <a:t>Data resource:</a:t>
-            </a:r>
-            <a:r>
-              <a:rPr lang="en-US" sz="1200" dirty="0"/>
-              <a:t> </a:t>
-            </a:r>
-            <a:r>
-              <a:rPr lang="en-US" sz="1200" dirty="0">
-                <a:hlinkClick r:id="rId3"/>
-              </a:rPr>
-              <a:t>https://</a:t>
-            </a:r>
-            <a:r>
-              <a:rPr lang="en-US" sz="1200" dirty="0" err="1">
-                <a:hlinkClick r:id="rId3"/>
-              </a:rPr>
-              <a:t>github.com</a:t>
-            </a:r>
-            <a:r>
-              <a:rPr lang="en-US" sz="1200" dirty="0">
-                <a:hlinkClick r:id="rId3"/>
-              </a:rPr>
-              <a:t>/</a:t>
-            </a:r>
-            <a:r>
-              <a:rPr lang="en-US" sz="1200" dirty="0" err="1">
-                <a:hlinkClick r:id="rId3"/>
-              </a:rPr>
-              <a:t>dssg</a:t>
-            </a:r>
-            <a:r>
-              <a:rPr lang="en-US" sz="1200" dirty="0">
-                <a:hlinkClick r:id="rId3"/>
-              </a:rPr>
-              <a:t>/411-­‐‑on-­‐‑311 </a:t>
-            </a:r>
-            <a:endParaRPr lang="en-US" sz="1200" dirty="0"/>
-          </a:p>
-        </p:txBody>
-      </p:sp>
-      <p:pic>
-        <p:nvPicPr>
-          <p:cNvPr id="5" name="Picture 4"/>
-          <p:cNvPicPr>
-            <a:picLocks noChangeAspect="1"/>
-          </p:cNvPicPr>
-          <p:nvPr/>
-        </p:nvPicPr>
-        <p:blipFill>
-          <a:blip r:embed="rId4">
-            <a:extLst>
-              <a:ext uri="{28A0092B-C50C-407E-A947-70E740481C1C}">
-                <a14:useLocalDpi xmlns:a14="http://schemas.microsoft.com/office/drawing/2010/main" val="0"/>
-              </a:ext>
-            </a:extLst>
-          </a:blip>
-          <a:stretch>
-            <a:fillRect/>
-          </a:stretch>
-        </p:blipFill>
-        <p:spPr>
-          <a:xfrm>
-            <a:off x="5629271" y="1274761"/>
-            <a:ext cx="6448979" cy="4644513"/>
-          </a:xfrm>
-          <a:prstGeom prst="rect">
-            <a:avLst/>
-          </a:prstGeom>
-        </p:spPr>
-      </p:pic>
-      <p:sp>
-        <p:nvSpPr>
-          <p:cNvPr id="40" name="Rectangle 39"/>
-          <p:cNvSpPr/>
-          <p:nvPr/>
-        </p:nvSpPr>
-        <p:spPr>
-          <a:xfrm>
-            <a:off x="517018" y="2216165"/>
-            <a:ext cx="3275646" cy="433382"/>
-          </a:xfrm>
-          <a:prstGeom prst="rect">
-            <a:avLst/>
-          </a:prstGeom>
-          <a:noFill/>
-          <a:ln w="38100" cmpd="thickThin">
-            <a:solidFill>
-              <a:schemeClr val="accent6"/>
-            </a:solidFill>
-          </a:ln>
-        </p:spPr>
-        <p:style>
-          <a:lnRef idx="2">
-            <a:schemeClr val="accent1">
-              <a:shade val="50000"/>
-            </a:schemeClr>
-          </a:lnRef>
-          <a:fillRef idx="1">
-            <a:schemeClr val="accent1"/>
-          </a:fillRef>
-          <a:effectRef idx="0">
-            <a:schemeClr val="accent1"/>
-          </a:effectRef>
-          <a:fontRef idx="minor">
-            <a:schemeClr val="lt1"/>
-          </a:fontRef>
-        </p:style>
-        <p:txBody>
-          <a:bodyPr rtlCol="0" anchor="ctr"/>
-          <a:lstStyle/>
-          <a:p>
-            <a:pPr algn="ctr"/>
-            <a:endParaRPr lang="en-US"/>
-          </a:p>
-        </p:txBody>
-      </p:sp>
-      <p:pic>
-        <p:nvPicPr>
-          <p:cNvPr id="41" name="Picture 19"/>
-          <p:cNvPicPr>
-            <a:picLocks noChangeAspect="1"/>
-          </p:cNvPicPr>
-          <p:nvPr/>
-        </p:nvPicPr>
-        <p:blipFill>
-          <a:blip r:embed="rId5">
-            <a:extLst>
-              <a:ext uri="{28A0092B-C50C-407E-A947-70E740481C1C}">
-                <a14:useLocalDpi xmlns:a14="http://schemas.microsoft.com/office/drawing/2010/main" val="0"/>
-              </a:ext>
-            </a:extLst>
-          </a:blip>
-          <a:srcRect/>
-          <a:stretch>
-            <a:fillRect/>
-          </a:stretch>
-        </p:blipFill>
-        <p:spPr bwMode="auto">
-          <a:xfrm>
-            <a:off x="68050" y="3646447"/>
-            <a:ext cx="2756974" cy="2499421"/>
-          </a:xfrm>
-          <a:prstGeom prst="rect">
-            <a:avLst/>
-          </a:prstGeom>
-          <a:noFill/>
-          <a:ln>
-            <a:noFill/>
-          </a:ln>
-          <a:extLst>
-            <a:ext uri="{909E8E84-426E-40DD-AFC4-6F175D3DCCD1}">
-              <a14:hiddenFill xmlns:a14="http://schemas.microsoft.com/office/drawing/2010/main">
-                <a:solidFill>
-                  <a:srgbClr val="FFFFFF"/>
-                </a:solidFill>
-              </a14:hiddenFill>
-            </a:ext>
-            <a:ext uri="{91240B29-F687-4F45-9708-019B960494DF}">
-              <a14:hiddenLine xmlns:a14="http://schemas.microsoft.com/office/drawing/2010/main" w="9525">
-                <a:solidFill>
-                  <a:srgbClr val="000000"/>
-                </a:solidFill>
-                <a:miter lim="800000"/>
-                <a:headEnd/>
-                <a:tailEnd/>
-              </a14:hiddenLine>
-            </a:ext>
-          </a:extLst>
-        </p:spPr>
-      </p:pic>
-      <p:pic>
-        <p:nvPicPr>
-          <p:cNvPr id="6" name="Picture 5"/>
-          <p:cNvPicPr>
-            <a:picLocks noChangeAspect="1"/>
-          </p:cNvPicPr>
-          <p:nvPr/>
-        </p:nvPicPr>
-        <p:blipFill>
-          <a:blip r:embed="rId6">
-            <a:extLst>
-              <a:ext uri="{28A0092B-C50C-407E-A947-70E740481C1C}">
-                <a14:useLocalDpi xmlns:a14="http://schemas.microsoft.com/office/drawing/2010/main" val="0"/>
-              </a:ext>
-            </a:extLst>
-          </a:blip>
-          <a:stretch>
-            <a:fillRect/>
-          </a:stretch>
-        </p:blipFill>
-        <p:spPr>
-          <a:xfrm>
-            <a:off x="2403425" y="3209277"/>
-            <a:ext cx="2580764" cy="1656850"/>
-          </a:xfrm>
-          <a:prstGeom prst="rect">
-            <a:avLst/>
-          </a:prstGeom>
-        </p:spPr>
-      </p:pic>
-    </p:spTree>
-    <p:extLst>
-      <p:ext uri="{BB962C8B-B14F-4D97-AF65-F5344CB8AC3E}">
-        <p14:creationId xmlns:p14="http://schemas.microsoft.com/office/powerpoint/2010/main" val="901483117"/>
       </p:ext>
     </p:extLst>
   </p:cSld>
